--- a/презентации/HashMap/Обзор на класс HashMap.pptx
+++ b/презентации/HashMap/Обзор на класс HashMap.pptx
@@ -17,6 +17,9 @@
     <p:sldId id="265" r:id="rId11"/>
     <p:sldId id="266" r:id="rId12"/>
     <p:sldId id="268" r:id="rId13"/>
+    <p:sldId id="270" r:id="rId14"/>
+    <p:sldId id="269" r:id="rId15"/>
+    <p:sldId id="271" r:id="rId16"/>
   </p:sldIdLst>
   <p:sldSz cx="12192000" cy="6858000"/>
   <p:notesSz cx="6858000" cy="9144000"/>
@@ -115,6 +118,11 @@
       </a:defRPr>
     </a:lvl9pPr>
   </p:defaultTextStyle>
+  <p:extLst>
+    <p:ext uri="{EFAFB233-063F-42B5-8137-9DF3F51BA10A}">
+      <p15:sldGuideLst xmlns:p15="http://schemas.microsoft.com/office/powerpoint/2012/main"/>
+    </p:ext>
+  </p:extLst>
 </p:presentation>
 </file>
 
@@ -864,7 +872,7 @@
             <a:fld id="{B61BEF0D-F0BB-DE4B-95CE-6DB70DBA9567}" type="datetimeFigureOut">
               <a:rPr lang="en-US" dirty="0"/>
               <a:pPr/>
-              <a:t>3/3/2024</a:t>
+              <a:t>3/4/2024</a:t>
             </a:fld>
             <a:endParaRPr lang="en-US" dirty="0"/>
           </a:p>
@@ -1112,7 +1120,7 @@
             <a:fld id="{B61BEF0D-F0BB-DE4B-95CE-6DB70DBA9567}" type="datetimeFigureOut">
               <a:rPr lang="en-US" dirty="0"/>
               <a:pPr/>
-              <a:t>3/3/2024</a:t>
+              <a:t>3/4/2024</a:t>
             </a:fld>
             <a:endParaRPr lang="en-US" dirty="0"/>
           </a:p>
@@ -1423,7 +1431,7 @@
             <a:fld id="{B61BEF0D-F0BB-DE4B-95CE-6DB70DBA9567}" type="datetimeFigureOut">
               <a:rPr lang="en-US" dirty="0"/>
               <a:pPr/>
-              <a:t>3/3/2024</a:t>
+              <a:t>3/4/2024</a:t>
             </a:fld>
             <a:endParaRPr lang="en-US" dirty="0"/>
           </a:p>
@@ -1753,7 +1761,7 @@
             <a:fld id="{B61BEF0D-F0BB-DE4B-95CE-6DB70DBA9567}" type="datetimeFigureOut">
               <a:rPr lang="en-US" dirty="0"/>
               <a:pPr/>
-              <a:t>3/3/2024</a:t>
+              <a:t>3/4/2024</a:t>
             </a:fld>
             <a:endParaRPr lang="en-US" dirty="0"/>
           </a:p>
@@ -2064,7 +2072,7 @@
             <a:fld id="{B61BEF0D-F0BB-DE4B-95CE-6DB70DBA9567}" type="datetimeFigureOut">
               <a:rPr lang="en-US" dirty="0"/>
               <a:pPr/>
-              <a:t>3/3/2024</a:t>
+              <a:t>3/4/2024</a:t>
             </a:fld>
             <a:endParaRPr lang="en-US" dirty="0"/>
           </a:p>
@@ -2454,7 +2462,7 @@
             <a:fld id="{B61BEF0D-F0BB-DE4B-95CE-6DB70DBA9567}" type="datetimeFigureOut">
               <a:rPr lang="en-US" dirty="0"/>
               <a:pPr/>
-              <a:t>3/3/2024</a:t>
+              <a:t>3/4/2024</a:t>
             </a:fld>
             <a:endParaRPr lang="en-US" dirty="0"/>
           </a:p>
@@ -2620,7 +2628,7 @@
           <a:p>
             <a:fld id="{55C6B4A9-1611-4792-9094-5F34BCA07E0B}" type="datetimeFigureOut">
               <a:rPr lang="en-US" dirty="0"/>
-              <a:t>3/3/2024</a:t>
+              <a:t>3/4/2024</a:t>
             </a:fld>
             <a:endParaRPr lang="en-US" dirty="0"/>
           </a:p>
@@ -2796,7 +2804,7 @@
             <a:fld id="{B61BEF0D-F0BB-DE4B-95CE-6DB70DBA9567}" type="datetimeFigureOut">
               <a:rPr lang="en-US" dirty="0"/>
               <a:pPr/>
-              <a:t>3/3/2024</a:t>
+              <a:t>3/4/2024</a:t>
             </a:fld>
             <a:endParaRPr lang="en-US" dirty="0"/>
           </a:p>
@@ -2962,7 +2970,7 @@
           <a:p>
             <a:fld id="{42A54C80-263E-416B-A8E0-580EDEADCBDC}" type="datetimeFigureOut">
               <a:rPr lang="en-US" dirty="0"/>
-              <a:t>3/3/2024</a:t>
+              <a:t>3/4/2024</a:t>
             </a:fld>
             <a:endParaRPr lang="en-US" dirty="0"/>
           </a:p>
@@ -3205,7 +3213,7 @@
             <a:fld id="{B61BEF0D-F0BB-DE4B-95CE-6DB70DBA9567}" type="datetimeFigureOut">
               <a:rPr lang="en-US" dirty="0"/>
               <a:pPr/>
-              <a:t>3/3/2024</a:t>
+              <a:t>3/4/2024</a:t>
             </a:fld>
             <a:endParaRPr lang="en-US" dirty="0"/>
           </a:p>
@@ -3433,7 +3441,7 @@
           <a:p>
             <a:fld id="{42A54C80-263E-416B-A8E0-580EDEADCBDC}" type="datetimeFigureOut">
               <a:rPr lang="en-US" dirty="0"/>
-              <a:t>3/3/2024</a:t>
+              <a:t>3/4/2024</a:t>
             </a:fld>
             <a:endParaRPr lang="en-US" dirty="0"/>
           </a:p>
@@ -3803,7 +3811,7 @@
             <a:fld id="{B61BEF0D-F0BB-DE4B-95CE-6DB70DBA9567}" type="datetimeFigureOut">
               <a:rPr lang="en-US" dirty="0"/>
               <a:pPr/>
-              <a:t>3/3/2024</a:t>
+              <a:t>3/4/2024</a:t>
             </a:fld>
             <a:endParaRPr lang="en-US" dirty="0"/>
           </a:p>
@@ -3923,7 +3931,7 @@
             <a:fld id="{B61BEF0D-F0BB-DE4B-95CE-6DB70DBA9567}" type="datetimeFigureOut">
               <a:rPr lang="en-US" dirty="0"/>
               <a:pPr/>
-              <a:t>3/3/2024</a:t>
+              <a:t>3/4/2024</a:t>
             </a:fld>
             <a:endParaRPr lang="en-US" dirty="0"/>
           </a:p>
@@ -4015,7 +4023,7 @@
             <a:fld id="{B61BEF0D-F0BB-DE4B-95CE-6DB70DBA9567}" type="datetimeFigureOut">
               <a:rPr lang="en-US" dirty="0"/>
               <a:pPr/>
-              <a:t>3/3/2024</a:t>
+              <a:t>3/4/2024</a:t>
             </a:fld>
             <a:endParaRPr lang="en-US" dirty="0"/>
           </a:p>
@@ -4266,7 +4274,7 @@
           <a:p>
             <a:fld id="{42A54C80-263E-416B-A8E0-580EDEADCBDC}" type="datetimeFigureOut">
               <a:rPr lang="en-US" dirty="0"/>
-              <a:t>3/3/2024</a:t>
+              <a:t>3/4/2024</a:t>
             </a:fld>
             <a:endParaRPr lang="en-US" dirty="0"/>
           </a:p>
@@ -4568,7 +4576,7 @@
             <a:fld id="{B61BEF0D-F0BB-DE4B-95CE-6DB70DBA9567}" type="datetimeFigureOut">
               <a:rPr lang="en-US" dirty="0"/>
               <a:pPr/>
-              <a:t>3/3/2024</a:t>
+              <a:t>3/4/2024</a:t>
             </a:fld>
             <a:endParaRPr lang="en-US" dirty="0"/>
           </a:p>
@@ -5266,7 +5274,7 @@
             <a:fld id="{B61BEF0D-F0BB-DE4B-95CE-6DB70DBA9567}" type="datetimeFigureOut">
               <a:rPr lang="en-US" dirty="0"/>
               <a:pPr/>
-              <a:t>3/3/2024</a:t>
+              <a:t>3/4/2024</a:t>
             </a:fld>
             <a:endParaRPr lang="en-US" dirty="0"/>
           </a:p>
@@ -6724,6 +6732,3235 @@
 </p:sld>
 </file>
 
+<file path=ppt/slides/slide13.xml><?xml version="1.0" encoding="utf-8"?>
+<p:sld xmlns:a="http://schemas.openxmlformats.org/drawingml/2006/main" xmlns:r="http://schemas.openxmlformats.org/officeDocument/2006/relationships" xmlns:p="http://schemas.openxmlformats.org/presentationml/2006/main">
+  <p:cSld>
+    <p:spTree>
+      <p:nvGrpSpPr>
+        <p:cNvPr id="1" name="">
+          <a:extLst>
+            <a:ext uri="{FF2B5EF4-FFF2-40B4-BE49-F238E27FC236}">
+              <a16:creationId xmlns:a16="http://schemas.microsoft.com/office/drawing/2014/main" id="{E2B0F9B9-D930-1208-C3E2-A89ADA853DA8}"/>
+            </a:ext>
+          </a:extLst>
+        </p:cNvPr>
+        <p:cNvGrpSpPr/>
+        <p:nvPr/>
+      </p:nvGrpSpPr>
+      <p:grpSpPr>
+        <a:xfrm>
+          <a:off x="0" y="0"/>
+          <a:ext cx="0" cy="0"/>
+          <a:chOff x="0" y="0"/>
+          <a:chExt cx="0" cy="0"/>
+        </a:xfrm>
+      </p:grpSpPr>
+      <p:sp>
+        <p:nvSpPr>
+          <p:cNvPr id="2" name="Заголовок 1">
+            <a:extLst>
+              <a:ext uri="{FF2B5EF4-FFF2-40B4-BE49-F238E27FC236}">
+                <a16:creationId xmlns:a16="http://schemas.microsoft.com/office/drawing/2014/main" id="{5540B2A7-6288-FC86-C56F-4C01B14C7211}"/>
+              </a:ext>
+            </a:extLst>
+          </p:cNvPr>
+          <p:cNvSpPr>
+            <a:spLocks noGrp="1"/>
+          </p:cNvSpPr>
+          <p:nvPr>
+            <p:ph type="ctrTitle"/>
+          </p:nvPr>
+        </p:nvSpPr>
+        <p:spPr>
+          <a:xfrm>
+            <a:off x="0" y="0"/>
+            <a:ext cx="7766936" cy="1035586"/>
+          </a:xfrm>
+        </p:spPr>
+        <p:txBody>
+          <a:bodyPr/>
+          <a:lstStyle/>
+          <a:p>
+            <a:r>
+              <a:rPr lang="ru-RU" dirty="0"/>
+              <a:t>Что</a:t>
+            </a:r>
+            <a:r>
+              <a:rPr lang="en-US" dirty="0"/>
+              <a:t> </a:t>
+            </a:r>
+            <a:r>
+              <a:rPr lang="ru-RU" dirty="0"/>
+              <a:t>лежит в основе</a:t>
+            </a:r>
+            <a:r>
+              <a:rPr lang="en-US" dirty="0"/>
+              <a:t>?</a:t>
+            </a:r>
+            <a:endParaRPr lang="ru-RU" dirty="0"/>
+          </a:p>
+        </p:txBody>
+      </p:sp>
+      <p:sp>
+        <p:nvSpPr>
+          <p:cNvPr id="4" name="Заголовок 1">
+            <a:extLst>
+              <a:ext uri="{FF2B5EF4-FFF2-40B4-BE49-F238E27FC236}">
+                <a16:creationId xmlns:a16="http://schemas.microsoft.com/office/drawing/2014/main" id="{DEC8CB95-5169-D994-2222-358EFBF803FA}"/>
+              </a:ext>
+            </a:extLst>
+          </p:cNvPr>
+          <p:cNvSpPr txBox="1">
+            <a:spLocks/>
+          </p:cNvSpPr>
+          <p:nvPr/>
+        </p:nvSpPr>
+        <p:spPr>
+          <a:xfrm>
+            <a:off x="6818150" y="1275001"/>
+            <a:ext cx="4116092" cy="336015"/>
+          </a:xfrm>
+          <a:prstGeom prst="rect">
+            <a:avLst/>
+          </a:prstGeom>
+        </p:spPr>
+        <p:txBody>
+          <a:bodyPr vert="horz" lIns="91440" tIns="45720" rIns="91440" bIns="45720" rtlCol="0" anchor="b">
+            <a:noAutofit/>
+          </a:bodyPr>
+          <a:lstStyle>
+            <a:lvl1pPr algn="r" defTabSz="457200" rtl="0" eaLnBrk="1" latinLnBrk="0" hangingPunct="1">
+              <a:spcBef>
+                <a:spcPct val="0"/>
+              </a:spcBef>
+              <a:buNone/>
+              <a:defRPr sz="5400" kern="1200">
+                <a:solidFill>
+                  <a:schemeClr val="accent1"/>
+                </a:solidFill>
+                <a:latin typeface="+mj-lt"/>
+                <a:ea typeface="+mj-ea"/>
+                <a:cs typeface="+mj-cs"/>
+              </a:defRPr>
+            </a:lvl1pPr>
+            <a:lvl2pPr eaLnBrk="1" hangingPunct="1">
+              <a:defRPr>
+                <a:solidFill>
+                  <a:schemeClr val="tx2"/>
+                </a:solidFill>
+              </a:defRPr>
+            </a:lvl2pPr>
+            <a:lvl3pPr eaLnBrk="1" hangingPunct="1">
+              <a:defRPr>
+                <a:solidFill>
+                  <a:schemeClr val="tx2"/>
+                </a:solidFill>
+              </a:defRPr>
+            </a:lvl3pPr>
+            <a:lvl4pPr eaLnBrk="1" hangingPunct="1">
+              <a:defRPr>
+                <a:solidFill>
+                  <a:schemeClr val="tx2"/>
+                </a:solidFill>
+              </a:defRPr>
+            </a:lvl4pPr>
+            <a:lvl5pPr eaLnBrk="1" hangingPunct="1">
+              <a:defRPr>
+                <a:solidFill>
+                  <a:schemeClr val="tx2"/>
+                </a:solidFill>
+              </a:defRPr>
+            </a:lvl5pPr>
+            <a:lvl6pPr eaLnBrk="1" hangingPunct="1">
+              <a:defRPr>
+                <a:solidFill>
+                  <a:schemeClr val="tx2"/>
+                </a:solidFill>
+              </a:defRPr>
+            </a:lvl6pPr>
+            <a:lvl7pPr eaLnBrk="1" hangingPunct="1">
+              <a:defRPr>
+                <a:solidFill>
+                  <a:schemeClr val="tx2"/>
+                </a:solidFill>
+              </a:defRPr>
+            </a:lvl7pPr>
+            <a:lvl8pPr eaLnBrk="1" hangingPunct="1">
+              <a:defRPr>
+                <a:solidFill>
+                  <a:schemeClr val="tx2"/>
+                </a:solidFill>
+              </a:defRPr>
+            </a:lvl8pPr>
+            <a:lvl9pPr eaLnBrk="1" hangingPunct="1">
+              <a:defRPr>
+                <a:solidFill>
+                  <a:schemeClr val="tx2"/>
+                </a:solidFill>
+              </a:defRPr>
+            </a:lvl9pPr>
+          </a:lstStyle>
+          <a:p>
+            <a:r>
+              <a:rPr lang="ru-RU" sz="1800" dirty="0">
+                <a:solidFill>
+                  <a:schemeClr val="tx1"/>
+                </a:solidFill>
+              </a:rPr>
+              <a:t>Как происходит разделение</a:t>
+            </a:r>
+          </a:p>
+        </p:txBody>
+      </p:sp>
+      <p:sp>
+        <p:nvSpPr>
+          <p:cNvPr id="3" name="Заголовок 1">
+            <a:extLst>
+              <a:ext uri="{FF2B5EF4-FFF2-40B4-BE49-F238E27FC236}">
+                <a16:creationId xmlns:a16="http://schemas.microsoft.com/office/drawing/2014/main" id="{04036847-21C1-DED2-0C82-B7281D69879C}"/>
+              </a:ext>
+            </a:extLst>
+          </p:cNvPr>
+          <p:cNvSpPr txBox="1">
+            <a:spLocks/>
+          </p:cNvSpPr>
+          <p:nvPr/>
+        </p:nvSpPr>
+        <p:spPr>
+          <a:xfrm>
+            <a:off x="7474945" y="2078795"/>
+            <a:ext cx="2104221" cy="336015"/>
+          </a:xfrm>
+          <a:prstGeom prst="rect">
+            <a:avLst/>
+          </a:prstGeom>
+        </p:spPr>
+        <p:txBody>
+          <a:bodyPr vert="horz" lIns="91440" tIns="45720" rIns="91440" bIns="45720" rtlCol="0" anchor="b">
+            <a:noAutofit/>
+          </a:bodyPr>
+          <a:lstStyle>
+            <a:lvl1pPr algn="r" defTabSz="457200" rtl="0" eaLnBrk="1" latinLnBrk="0" hangingPunct="1">
+              <a:spcBef>
+                <a:spcPct val="0"/>
+              </a:spcBef>
+              <a:buNone/>
+              <a:defRPr sz="5400" kern="1200">
+                <a:solidFill>
+                  <a:schemeClr val="accent1"/>
+                </a:solidFill>
+                <a:latin typeface="+mj-lt"/>
+                <a:ea typeface="+mj-ea"/>
+                <a:cs typeface="+mj-cs"/>
+              </a:defRPr>
+            </a:lvl1pPr>
+            <a:lvl2pPr eaLnBrk="1" hangingPunct="1">
+              <a:defRPr>
+                <a:solidFill>
+                  <a:schemeClr val="tx2"/>
+                </a:solidFill>
+              </a:defRPr>
+            </a:lvl2pPr>
+            <a:lvl3pPr eaLnBrk="1" hangingPunct="1">
+              <a:defRPr>
+                <a:solidFill>
+                  <a:schemeClr val="tx2"/>
+                </a:solidFill>
+              </a:defRPr>
+            </a:lvl3pPr>
+            <a:lvl4pPr eaLnBrk="1" hangingPunct="1">
+              <a:defRPr>
+                <a:solidFill>
+                  <a:schemeClr val="tx2"/>
+                </a:solidFill>
+              </a:defRPr>
+            </a:lvl4pPr>
+            <a:lvl5pPr eaLnBrk="1" hangingPunct="1">
+              <a:defRPr>
+                <a:solidFill>
+                  <a:schemeClr val="tx2"/>
+                </a:solidFill>
+              </a:defRPr>
+            </a:lvl5pPr>
+            <a:lvl6pPr eaLnBrk="1" hangingPunct="1">
+              <a:defRPr>
+                <a:solidFill>
+                  <a:schemeClr val="tx2"/>
+                </a:solidFill>
+              </a:defRPr>
+            </a:lvl6pPr>
+            <a:lvl7pPr eaLnBrk="1" hangingPunct="1">
+              <a:defRPr>
+                <a:solidFill>
+                  <a:schemeClr val="tx2"/>
+                </a:solidFill>
+              </a:defRPr>
+            </a:lvl7pPr>
+            <a:lvl8pPr eaLnBrk="1" hangingPunct="1">
+              <a:defRPr>
+                <a:solidFill>
+                  <a:schemeClr val="tx2"/>
+                </a:solidFill>
+              </a:defRPr>
+            </a:lvl8pPr>
+            <a:lvl9pPr eaLnBrk="1" hangingPunct="1">
+              <a:defRPr>
+                <a:solidFill>
+                  <a:schemeClr val="tx2"/>
+                </a:solidFill>
+              </a:defRPr>
+            </a:lvl9pPr>
+          </a:lstStyle>
+          <a:p>
+            <a:r>
+              <a:rPr lang="ru-RU" sz="1800" dirty="0">
+                <a:solidFill>
+                  <a:schemeClr val="tx1"/>
+                </a:solidFill>
+              </a:rPr>
+              <a:t>001…..01010…101</a:t>
+            </a:r>
+          </a:p>
+        </p:txBody>
+      </p:sp>
+      <p:sp>
+        <p:nvSpPr>
+          <p:cNvPr id="5" name="Правая фигурная скобка 4">
+            <a:extLst>
+              <a:ext uri="{FF2B5EF4-FFF2-40B4-BE49-F238E27FC236}">
+                <a16:creationId xmlns:a16="http://schemas.microsoft.com/office/drawing/2014/main" id="{633656E7-1C8B-EDAE-9C18-F7D2CDD924AF}"/>
+              </a:ext>
+            </a:extLst>
+          </p:cNvPr>
+          <p:cNvSpPr/>
+          <p:nvPr/>
+        </p:nvSpPr>
+        <p:spPr>
+          <a:xfrm rot="5400000">
+            <a:off x="8028594" y="2007880"/>
+            <a:ext cx="97040" cy="910900"/>
+          </a:xfrm>
+          <a:prstGeom prst="rightBrace">
+            <a:avLst/>
+          </a:prstGeom>
+        </p:spPr>
+        <p:style>
+          <a:lnRef idx="1">
+            <a:schemeClr val="dk1"/>
+          </a:lnRef>
+          <a:fillRef idx="0">
+            <a:schemeClr val="dk1"/>
+          </a:fillRef>
+          <a:effectRef idx="0">
+            <a:schemeClr val="dk1"/>
+          </a:effectRef>
+          <a:fontRef idx="minor">
+            <a:schemeClr val="tx1"/>
+          </a:fontRef>
+        </p:style>
+        <p:txBody>
+          <a:bodyPr rtlCol="0" anchor="ctr"/>
+          <a:lstStyle/>
+          <a:p>
+            <a:pPr algn="ctr"/>
+            <a:endParaRPr lang="ru-RU"/>
+          </a:p>
+        </p:txBody>
+      </p:sp>
+      <p:sp>
+        <p:nvSpPr>
+          <p:cNvPr id="6" name="Правая фигурная скобка 5">
+            <a:extLst>
+              <a:ext uri="{FF2B5EF4-FFF2-40B4-BE49-F238E27FC236}">
+                <a16:creationId xmlns:a16="http://schemas.microsoft.com/office/drawing/2014/main" id="{3C66DED1-9319-6024-0063-A9AFDB2F20B2}"/>
+              </a:ext>
+            </a:extLst>
+          </p:cNvPr>
+          <p:cNvSpPr/>
+          <p:nvPr/>
+        </p:nvSpPr>
+        <p:spPr>
+          <a:xfrm rot="5400000">
+            <a:off x="9058844" y="2101697"/>
+            <a:ext cx="126243" cy="694063"/>
+          </a:xfrm>
+          <a:prstGeom prst="rightBrace">
+            <a:avLst/>
+          </a:prstGeom>
+        </p:spPr>
+        <p:style>
+          <a:lnRef idx="1">
+            <a:schemeClr val="dk1"/>
+          </a:lnRef>
+          <a:fillRef idx="0">
+            <a:schemeClr val="dk1"/>
+          </a:fillRef>
+          <a:effectRef idx="0">
+            <a:schemeClr val="dk1"/>
+          </a:effectRef>
+          <a:fontRef idx="minor">
+            <a:schemeClr val="tx1"/>
+          </a:fontRef>
+        </p:style>
+        <p:txBody>
+          <a:bodyPr rtlCol="0" anchor="ctr"/>
+          <a:lstStyle/>
+          <a:p>
+            <a:pPr algn="ctr"/>
+            <a:endParaRPr lang="ru-RU"/>
+          </a:p>
+        </p:txBody>
+      </p:sp>
+      <p:cxnSp>
+        <p:nvCxnSpPr>
+          <p:cNvPr id="9" name="Прямая соединительная линия 8">
+            <a:extLst>
+              <a:ext uri="{FF2B5EF4-FFF2-40B4-BE49-F238E27FC236}">
+                <a16:creationId xmlns:a16="http://schemas.microsoft.com/office/drawing/2014/main" id="{C9F0A260-2B4B-BC4B-CDD2-C2A5DEAAD13C}"/>
+              </a:ext>
+            </a:extLst>
+          </p:cNvPr>
+          <p:cNvCxnSpPr>
+            <a:cxnSpLocks/>
+          </p:cNvCxnSpPr>
+          <p:nvPr/>
+        </p:nvCxnSpPr>
+        <p:spPr>
+          <a:xfrm>
+            <a:off x="8589392" y="2078795"/>
+            <a:ext cx="132202" cy="0"/>
+          </a:xfrm>
+          <a:prstGeom prst="line">
+            <a:avLst/>
+          </a:prstGeom>
+        </p:spPr>
+        <p:style>
+          <a:lnRef idx="1">
+            <a:schemeClr val="dk1"/>
+          </a:lnRef>
+          <a:fillRef idx="0">
+            <a:schemeClr val="dk1"/>
+          </a:fillRef>
+          <a:effectRef idx="0">
+            <a:schemeClr val="dk1"/>
+          </a:effectRef>
+          <a:fontRef idx="minor">
+            <a:schemeClr val="tx1"/>
+          </a:fontRef>
+        </p:style>
+      </p:cxnSp>
+      <p:sp>
+        <p:nvSpPr>
+          <p:cNvPr id="14" name="Заголовок 1">
+            <a:extLst>
+              <a:ext uri="{FF2B5EF4-FFF2-40B4-BE49-F238E27FC236}">
+                <a16:creationId xmlns:a16="http://schemas.microsoft.com/office/drawing/2014/main" id="{18BF02E9-A294-F7B1-D5F9-9F4BCF41377A}"/>
+              </a:ext>
+            </a:extLst>
+          </p:cNvPr>
+          <p:cNvSpPr txBox="1">
+            <a:spLocks/>
+          </p:cNvSpPr>
+          <p:nvPr/>
+        </p:nvSpPr>
+        <p:spPr>
+          <a:xfrm>
+            <a:off x="6670713" y="1779743"/>
+            <a:ext cx="2158113" cy="336015"/>
+          </a:xfrm>
+          <a:prstGeom prst="rect">
+            <a:avLst/>
+          </a:prstGeom>
+        </p:spPr>
+        <p:txBody>
+          <a:bodyPr vert="horz" lIns="91440" tIns="45720" rIns="91440" bIns="45720" rtlCol="0" anchor="b">
+            <a:noAutofit/>
+          </a:bodyPr>
+          <a:lstStyle>
+            <a:lvl1pPr algn="r" defTabSz="457200" rtl="0" eaLnBrk="1" latinLnBrk="0" hangingPunct="1">
+              <a:spcBef>
+                <a:spcPct val="0"/>
+              </a:spcBef>
+              <a:buNone/>
+              <a:defRPr sz="5400" kern="1200">
+                <a:solidFill>
+                  <a:schemeClr val="accent1"/>
+                </a:solidFill>
+                <a:latin typeface="+mj-lt"/>
+                <a:ea typeface="+mj-ea"/>
+                <a:cs typeface="+mj-cs"/>
+              </a:defRPr>
+            </a:lvl1pPr>
+            <a:lvl2pPr eaLnBrk="1" hangingPunct="1">
+              <a:defRPr>
+                <a:solidFill>
+                  <a:schemeClr val="tx2"/>
+                </a:solidFill>
+              </a:defRPr>
+            </a:lvl2pPr>
+            <a:lvl3pPr eaLnBrk="1" hangingPunct="1">
+              <a:defRPr>
+                <a:solidFill>
+                  <a:schemeClr val="tx2"/>
+                </a:solidFill>
+              </a:defRPr>
+            </a:lvl3pPr>
+            <a:lvl4pPr eaLnBrk="1" hangingPunct="1">
+              <a:defRPr>
+                <a:solidFill>
+                  <a:schemeClr val="tx2"/>
+                </a:solidFill>
+              </a:defRPr>
+            </a:lvl4pPr>
+            <a:lvl5pPr eaLnBrk="1" hangingPunct="1">
+              <a:defRPr>
+                <a:solidFill>
+                  <a:schemeClr val="tx2"/>
+                </a:solidFill>
+              </a:defRPr>
+            </a:lvl5pPr>
+            <a:lvl6pPr eaLnBrk="1" hangingPunct="1">
+              <a:defRPr>
+                <a:solidFill>
+                  <a:schemeClr val="tx2"/>
+                </a:solidFill>
+              </a:defRPr>
+            </a:lvl6pPr>
+            <a:lvl7pPr eaLnBrk="1" hangingPunct="1">
+              <a:defRPr>
+                <a:solidFill>
+                  <a:schemeClr val="tx2"/>
+                </a:solidFill>
+              </a:defRPr>
+            </a:lvl7pPr>
+            <a:lvl8pPr eaLnBrk="1" hangingPunct="1">
+              <a:defRPr>
+                <a:solidFill>
+                  <a:schemeClr val="tx2"/>
+                </a:solidFill>
+              </a:defRPr>
+            </a:lvl8pPr>
+            <a:lvl9pPr eaLnBrk="1" hangingPunct="1">
+              <a:defRPr>
+                <a:solidFill>
+                  <a:schemeClr val="tx2"/>
+                </a:solidFill>
+              </a:defRPr>
+            </a:lvl9pPr>
+          </a:lstStyle>
+          <a:p>
+            <a:r>
+              <a:rPr lang="ru-RU" sz="1800" dirty="0">
+                <a:solidFill>
+                  <a:schemeClr val="tx1"/>
+                </a:solidFill>
+              </a:rPr>
+              <a:t>1</a:t>
+            </a:r>
+          </a:p>
+        </p:txBody>
+      </p:sp>
+      <p:sp>
+        <p:nvSpPr>
+          <p:cNvPr id="15" name="Заголовок 1">
+            <a:extLst>
+              <a:ext uri="{FF2B5EF4-FFF2-40B4-BE49-F238E27FC236}">
+                <a16:creationId xmlns:a16="http://schemas.microsoft.com/office/drawing/2014/main" id="{87C5E740-D847-3A41-05E2-AE80FAAAB7DD}"/>
+              </a:ext>
+            </a:extLst>
+          </p:cNvPr>
+          <p:cNvSpPr txBox="1">
+            <a:spLocks/>
+          </p:cNvSpPr>
+          <p:nvPr/>
+        </p:nvSpPr>
+        <p:spPr>
+          <a:xfrm>
+            <a:off x="6096000" y="2546574"/>
+            <a:ext cx="2158113" cy="336015"/>
+          </a:xfrm>
+          <a:prstGeom prst="rect">
+            <a:avLst/>
+          </a:prstGeom>
+        </p:spPr>
+        <p:txBody>
+          <a:bodyPr vert="horz" lIns="91440" tIns="45720" rIns="91440" bIns="45720" rtlCol="0" anchor="b">
+            <a:noAutofit/>
+          </a:bodyPr>
+          <a:lstStyle>
+            <a:lvl1pPr algn="r" defTabSz="457200" rtl="0" eaLnBrk="1" latinLnBrk="0" hangingPunct="1">
+              <a:spcBef>
+                <a:spcPct val="0"/>
+              </a:spcBef>
+              <a:buNone/>
+              <a:defRPr sz="5400" kern="1200">
+                <a:solidFill>
+                  <a:schemeClr val="accent1"/>
+                </a:solidFill>
+                <a:latin typeface="+mj-lt"/>
+                <a:ea typeface="+mj-ea"/>
+                <a:cs typeface="+mj-cs"/>
+              </a:defRPr>
+            </a:lvl1pPr>
+            <a:lvl2pPr eaLnBrk="1" hangingPunct="1">
+              <a:defRPr>
+                <a:solidFill>
+                  <a:schemeClr val="tx2"/>
+                </a:solidFill>
+              </a:defRPr>
+            </a:lvl2pPr>
+            <a:lvl3pPr eaLnBrk="1" hangingPunct="1">
+              <a:defRPr>
+                <a:solidFill>
+                  <a:schemeClr val="tx2"/>
+                </a:solidFill>
+              </a:defRPr>
+            </a:lvl3pPr>
+            <a:lvl4pPr eaLnBrk="1" hangingPunct="1">
+              <a:defRPr>
+                <a:solidFill>
+                  <a:schemeClr val="tx2"/>
+                </a:solidFill>
+              </a:defRPr>
+            </a:lvl4pPr>
+            <a:lvl5pPr eaLnBrk="1" hangingPunct="1">
+              <a:defRPr>
+                <a:solidFill>
+                  <a:schemeClr val="tx2"/>
+                </a:solidFill>
+              </a:defRPr>
+            </a:lvl5pPr>
+            <a:lvl6pPr eaLnBrk="1" hangingPunct="1">
+              <a:defRPr>
+                <a:solidFill>
+                  <a:schemeClr val="tx2"/>
+                </a:solidFill>
+              </a:defRPr>
+            </a:lvl6pPr>
+            <a:lvl7pPr eaLnBrk="1" hangingPunct="1">
+              <a:defRPr>
+                <a:solidFill>
+                  <a:schemeClr val="tx2"/>
+                </a:solidFill>
+              </a:defRPr>
+            </a:lvl7pPr>
+            <a:lvl8pPr eaLnBrk="1" hangingPunct="1">
+              <a:defRPr>
+                <a:solidFill>
+                  <a:schemeClr val="tx2"/>
+                </a:solidFill>
+              </a:defRPr>
+            </a:lvl8pPr>
+            <a:lvl9pPr eaLnBrk="1" hangingPunct="1">
+              <a:defRPr>
+                <a:solidFill>
+                  <a:schemeClr val="tx2"/>
+                </a:solidFill>
+              </a:defRPr>
+            </a:lvl9pPr>
+          </a:lstStyle>
+          <a:p>
+            <a:r>
+              <a:rPr lang="en-US" sz="1800" dirty="0">
+                <a:solidFill>
+                  <a:schemeClr val="tx1"/>
+                </a:solidFill>
+              </a:rPr>
+              <a:t>k</a:t>
+            </a:r>
+            <a:endParaRPr lang="ru-RU" sz="1800" dirty="0">
+              <a:solidFill>
+                <a:schemeClr val="tx1"/>
+              </a:solidFill>
+            </a:endParaRPr>
+          </a:p>
+        </p:txBody>
+      </p:sp>
+      <p:sp>
+        <p:nvSpPr>
+          <p:cNvPr id="16" name="Заголовок 1">
+            <a:extLst>
+              <a:ext uri="{FF2B5EF4-FFF2-40B4-BE49-F238E27FC236}">
+                <a16:creationId xmlns:a16="http://schemas.microsoft.com/office/drawing/2014/main" id="{F2CEEC9F-A587-6DF9-5B46-189C2C5DDB42}"/>
+              </a:ext>
+            </a:extLst>
+          </p:cNvPr>
+          <p:cNvSpPr txBox="1">
+            <a:spLocks/>
+          </p:cNvSpPr>
+          <p:nvPr/>
+        </p:nvSpPr>
+        <p:spPr>
+          <a:xfrm>
+            <a:off x="7155131" y="2575871"/>
+            <a:ext cx="2158113" cy="336015"/>
+          </a:xfrm>
+          <a:prstGeom prst="rect">
+            <a:avLst/>
+          </a:prstGeom>
+        </p:spPr>
+        <p:txBody>
+          <a:bodyPr vert="horz" lIns="91440" tIns="45720" rIns="91440" bIns="45720" rtlCol="0" anchor="b">
+            <a:noAutofit/>
+          </a:bodyPr>
+          <a:lstStyle>
+            <a:lvl1pPr algn="r" defTabSz="457200" rtl="0" eaLnBrk="1" latinLnBrk="0" hangingPunct="1">
+              <a:spcBef>
+                <a:spcPct val="0"/>
+              </a:spcBef>
+              <a:buNone/>
+              <a:defRPr sz="5400" kern="1200">
+                <a:solidFill>
+                  <a:schemeClr val="accent1"/>
+                </a:solidFill>
+                <a:latin typeface="+mj-lt"/>
+                <a:ea typeface="+mj-ea"/>
+                <a:cs typeface="+mj-cs"/>
+              </a:defRPr>
+            </a:lvl1pPr>
+            <a:lvl2pPr eaLnBrk="1" hangingPunct="1">
+              <a:defRPr>
+                <a:solidFill>
+                  <a:schemeClr val="tx2"/>
+                </a:solidFill>
+              </a:defRPr>
+            </a:lvl2pPr>
+            <a:lvl3pPr eaLnBrk="1" hangingPunct="1">
+              <a:defRPr>
+                <a:solidFill>
+                  <a:schemeClr val="tx2"/>
+                </a:solidFill>
+              </a:defRPr>
+            </a:lvl3pPr>
+            <a:lvl4pPr eaLnBrk="1" hangingPunct="1">
+              <a:defRPr>
+                <a:solidFill>
+                  <a:schemeClr val="tx2"/>
+                </a:solidFill>
+              </a:defRPr>
+            </a:lvl4pPr>
+            <a:lvl5pPr eaLnBrk="1" hangingPunct="1">
+              <a:defRPr>
+                <a:solidFill>
+                  <a:schemeClr val="tx2"/>
+                </a:solidFill>
+              </a:defRPr>
+            </a:lvl5pPr>
+            <a:lvl6pPr eaLnBrk="1" hangingPunct="1">
+              <a:defRPr>
+                <a:solidFill>
+                  <a:schemeClr val="tx2"/>
+                </a:solidFill>
+              </a:defRPr>
+            </a:lvl6pPr>
+            <a:lvl7pPr eaLnBrk="1" hangingPunct="1">
+              <a:defRPr>
+                <a:solidFill>
+                  <a:schemeClr val="tx2"/>
+                </a:solidFill>
+              </a:defRPr>
+            </a:lvl7pPr>
+            <a:lvl8pPr eaLnBrk="1" hangingPunct="1">
+              <a:defRPr>
+                <a:solidFill>
+                  <a:schemeClr val="tx2"/>
+                </a:solidFill>
+              </a:defRPr>
+            </a:lvl8pPr>
+            <a:lvl9pPr eaLnBrk="1" hangingPunct="1">
+              <a:defRPr>
+                <a:solidFill>
+                  <a:schemeClr val="tx2"/>
+                </a:solidFill>
+              </a:defRPr>
+            </a:lvl9pPr>
+          </a:lstStyle>
+          <a:p>
+            <a:r>
+              <a:rPr lang="en-US" sz="1800" dirty="0">
+                <a:solidFill>
+                  <a:schemeClr val="tx1"/>
+                </a:solidFill>
+              </a:rPr>
+              <a:t>m</a:t>
+            </a:r>
+            <a:endParaRPr lang="ru-RU" sz="1800" dirty="0">
+              <a:solidFill>
+                <a:schemeClr val="tx1"/>
+              </a:solidFill>
+            </a:endParaRPr>
+          </a:p>
+        </p:txBody>
+      </p:sp>
+      <p:sp>
+        <p:nvSpPr>
+          <p:cNvPr id="17" name="Заголовок 1">
+            <a:extLst>
+              <a:ext uri="{FF2B5EF4-FFF2-40B4-BE49-F238E27FC236}">
+                <a16:creationId xmlns:a16="http://schemas.microsoft.com/office/drawing/2014/main" id="{13DA3E72-0EE8-64C8-399B-28D8ED72E9D8}"/>
+              </a:ext>
+            </a:extLst>
+          </p:cNvPr>
+          <p:cNvSpPr txBox="1">
+            <a:spLocks/>
+          </p:cNvSpPr>
+          <p:nvPr/>
+        </p:nvSpPr>
+        <p:spPr>
+          <a:xfrm>
+            <a:off x="6998057" y="2904939"/>
+            <a:ext cx="2158113" cy="336015"/>
+          </a:xfrm>
+          <a:prstGeom prst="rect">
+            <a:avLst/>
+          </a:prstGeom>
+        </p:spPr>
+        <p:txBody>
+          <a:bodyPr vert="horz" lIns="91440" tIns="45720" rIns="91440" bIns="45720" rtlCol="0" anchor="b">
+            <a:noAutofit/>
+          </a:bodyPr>
+          <a:lstStyle>
+            <a:lvl1pPr algn="r" defTabSz="457200" rtl="0" eaLnBrk="1" latinLnBrk="0" hangingPunct="1">
+              <a:spcBef>
+                <a:spcPct val="0"/>
+              </a:spcBef>
+              <a:buNone/>
+              <a:defRPr sz="5400" kern="1200">
+                <a:solidFill>
+                  <a:schemeClr val="accent1"/>
+                </a:solidFill>
+                <a:latin typeface="+mj-lt"/>
+                <a:ea typeface="+mj-ea"/>
+                <a:cs typeface="+mj-cs"/>
+              </a:defRPr>
+            </a:lvl1pPr>
+            <a:lvl2pPr eaLnBrk="1" hangingPunct="1">
+              <a:defRPr>
+                <a:solidFill>
+                  <a:schemeClr val="tx2"/>
+                </a:solidFill>
+              </a:defRPr>
+            </a:lvl2pPr>
+            <a:lvl3pPr eaLnBrk="1" hangingPunct="1">
+              <a:defRPr>
+                <a:solidFill>
+                  <a:schemeClr val="tx2"/>
+                </a:solidFill>
+              </a:defRPr>
+            </a:lvl3pPr>
+            <a:lvl4pPr eaLnBrk="1" hangingPunct="1">
+              <a:defRPr>
+                <a:solidFill>
+                  <a:schemeClr val="tx2"/>
+                </a:solidFill>
+              </a:defRPr>
+            </a:lvl4pPr>
+            <a:lvl5pPr eaLnBrk="1" hangingPunct="1">
+              <a:defRPr>
+                <a:solidFill>
+                  <a:schemeClr val="tx2"/>
+                </a:solidFill>
+              </a:defRPr>
+            </a:lvl5pPr>
+            <a:lvl6pPr eaLnBrk="1" hangingPunct="1">
+              <a:defRPr>
+                <a:solidFill>
+                  <a:schemeClr val="tx2"/>
+                </a:solidFill>
+              </a:defRPr>
+            </a:lvl6pPr>
+            <a:lvl7pPr eaLnBrk="1" hangingPunct="1">
+              <a:defRPr>
+                <a:solidFill>
+                  <a:schemeClr val="tx2"/>
+                </a:solidFill>
+              </a:defRPr>
+            </a:lvl7pPr>
+            <a:lvl8pPr eaLnBrk="1" hangingPunct="1">
+              <a:defRPr>
+                <a:solidFill>
+                  <a:schemeClr val="tx2"/>
+                </a:solidFill>
+              </a:defRPr>
+            </a:lvl8pPr>
+            <a:lvl9pPr eaLnBrk="1" hangingPunct="1">
+              <a:defRPr>
+                <a:solidFill>
+                  <a:schemeClr val="tx2"/>
+                </a:solidFill>
+              </a:defRPr>
+            </a:lvl9pPr>
+          </a:lstStyle>
+          <a:p>
+            <a:r>
+              <a:rPr lang="en-US" sz="1800" dirty="0">
+                <a:solidFill>
+                  <a:schemeClr val="tx1"/>
+                </a:solidFill>
+              </a:rPr>
+              <a:t>&amp;</a:t>
+            </a:r>
+            <a:endParaRPr lang="ru-RU" sz="1800" dirty="0">
+              <a:solidFill>
+                <a:schemeClr val="tx1"/>
+              </a:solidFill>
+            </a:endParaRPr>
+          </a:p>
+        </p:txBody>
+      </p:sp>
+      <p:sp>
+        <p:nvSpPr>
+          <p:cNvPr id="18" name="Заголовок 1">
+            <a:extLst>
+              <a:ext uri="{FF2B5EF4-FFF2-40B4-BE49-F238E27FC236}">
+                <a16:creationId xmlns:a16="http://schemas.microsoft.com/office/drawing/2014/main" id="{F7149488-DEEC-F85A-28BF-7A672A9815D4}"/>
+              </a:ext>
+            </a:extLst>
+          </p:cNvPr>
+          <p:cNvSpPr txBox="1">
+            <a:spLocks/>
+          </p:cNvSpPr>
+          <p:nvPr/>
+        </p:nvSpPr>
+        <p:spPr>
+          <a:xfrm>
+            <a:off x="8433412" y="3313405"/>
+            <a:ext cx="1145754" cy="336015"/>
+          </a:xfrm>
+          <a:prstGeom prst="rect">
+            <a:avLst/>
+          </a:prstGeom>
+        </p:spPr>
+        <p:txBody>
+          <a:bodyPr vert="horz" lIns="91440" tIns="45720" rIns="91440" bIns="45720" rtlCol="0" anchor="b">
+            <a:noAutofit/>
+          </a:bodyPr>
+          <a:lstStyle>
+            <a:lvl1pPr algn="r" defTabSz="457200" rtl="0" eaLnBrk="1" latinLnBrk="0" hangingPunct="1">
+              <a:spcBef>
+                <a:spcPct val="0"/>
+              </a:spcBef>
+              <a:buNone/>
+              <a:defRPr sz="5400" kern="1200">
+                <a:solidFill>
+                  <a:schemeClr val="accent1"/>
+                </a:solidFill>
+                <a:latin typeface="+mj-lt"/>
+                <a:ea typeface="+mj-ea"/>
+                <a:cs typeface="+mj-cs"/>
+              </a:defRPr>
+            </a:lvl1pPr>
+            <a:lvl2pPr eaLnBrk="1" hangingPunct="1">
+              <a:defRPr>
+                <a:solidFill>
+                  <a:schemeClr val="tx2"/>
+                </a:solidFill>
+              </a:defRPr>
+            </a:lvl2pPr>
+            <a:lvl3pPr eaLnBrk="1" hangingPunct="1">
+              <a:defRPr>
+                <a:solidFill>
+                  <a:schemeClr val="tx2"/>
+                </a:solidFill>
+              </a:defRPr>
+            </a:lvl3pPr>
+            <a:lvl4pPr eaLnBrk="1" hangingPunct="1">
+              <a:defRPr>
+                <a:solidFill>
+                  <a:schemeClr val="tx2"/>
+                </a:solidFill>
+              </a:defRPr>
+            </a:lvl4pPr>
+            <a:lvl5pPr eaLnBrk="1" hangingPunct="1">
+              <a:defRPr>
+                <a:solidFill>
+                  <a:schemeClr val="tx2"/>
+                </a:solidFill>
+              </a:defRPr>
+            </a:lvl5pPr>
+            <a:lvl6pPr eaLnBrk="1" hangingPunct="1">
+              <a:defRPr>
+                <a:solidFill>
+                  <a:schemeClr val="tx2"/>
+                </a:solidFill>
+              </a:defRPr>
+            </a:lvl6pPr>
+            <a:lvl7pPr eaLnBrk="1" hangingPunct="1">
+              <a:defRPr>
+                <a:solidFill>
+                  <a:schemeClr val="tx2"/>
+                </a:solidFill>
+              </a:defRPr>
+            </a:lvl7pPr>
+            <a:lvl8pPr eaLnBrk="1" hangingPunct="1">
+              <a:defRPr>
+                <a:solidFill>
+                  <a:schemeClr val="tx2"/>
+                </a:solidFill>
+              </a:defRPr>
+            </a:lvl8pPr>
+            <a:lvl9pPr eaLnBrk="1" hangingPunct="1">
+              <a:defRPr>
+                <a:solidFill>
+                  <a:schemeClr val="tx2"/>
+                </a:solidFill>
+              </a:defRPr>
+            </a:lvl9pPr>
+          </a:lstStyle>
+          <a:p>
+            <a:r>
+              <a:rPr lang="ru-RU" sz="1800" dirty="0">
+                <a:solidFill>
+                  <a:schemeClr val="tx1"/>
+                </a:solidFill>
+              </a:rPr>
+              <a:t>1</a:t>
+            </a:r>
+            <a:r>
+              <a:rPr lang="en-US" sz="1800" dirty="0">
+                <a:solidFill>
+                  <a:schemeClr val="tx1"/>
+                </a:solidFill>
+              </a:rPr>
+              <a:t>000000</a:t>
+            </a:r>
+            <a:endParaRPr lang="ru-RU" sz="1800" dirty="0">
+              <a:solidFill>
+                <a:schemeClr val="tx1"/>
+              </a:solidFill>
+            </a:endParaRPr>
+          </a:p>
+        </p:txBody>
+      </p:sp>
+      <p:sp>
+        <p:nvSpPr>
+          <p:cNvPr id="19" name="Правая фигурная скобка 18">
+            <a:extLst>
+              <a:ext uri="{FF2B5EF4-FFF2-40B4-BE49-F238E27FC236}">
+                <a16:creationId xmlns:a16="http://schemas.microsoft.com/office/drawing/2014/main" id="{3F466621-B648-76D8-77A9-F2A94C1426E9}"/>
+              </a:ext>
+            </a:extLst>
+          </p:cNvPr>
+          <p:cNvSpPr/>
+          <p:nvPr/>
+        </p:nvSpPr>
+        <p:spPr>
+          <a:xfrm rot="5400000">
+            <a:off x="9058843" y="3324738"/>
+            <a:ext cx="126243" cy="694063"/>
+          </a:xfrm>
+          <a:prstGeom prst="rightBrace">
+            <a:avLst/>
+          </a:prstGeom>
+        </p:spPr>
+        <p:style>
+          <a:lnRef idx="1">
+            <a:schemeClr val="dk1"/>
+          </a:lnRef>
+          <a:fillRef idx="0">
+            <a:schemeClr val="dk1"/>
+          </a:fillRef>
+          <a:effectRef idx="0">
+            <a:schemeClr val="dk1"/>
+          </a:effectRef>
+          <a:fontRef idx="minor">
+            <a:schemeClr val="tx1"/>
+          </a:fontRef>
+        </p:style>
+        <p:txBody>
+          <a:bodyPr rtlCol="0" anchor="ctr"/>
+          <a:lstStyle/>
+          <a:p>
+            <a:pPr algn="ctr"/>
+            <a:endParaRPr lang="ru-RU"/>
+          </a:p>
+        </p:txBody>
+      </p:sp>
+      <p:sp>
+        <p:nvSpPr>
+          <p:cNvPr id="20" name="Заголовок 1">
+            <a:extLst>
+              <a:ext uri="{FF2B5EF4-FFF2-40B4-BE49-F238E27FC236}">
+                <a16:creationId xmlns:a16="http://schemas.microsoft.com/office/drawing/2014/main" id="{D8928792-F23E-32C6-95BF-774B8EDEFA49}"/>
+              </a:ext>
+            </a:extLst>
+          </p:cNvPr>
+          <p:cNvSpPr txBox="1">
+            <a:spLocks/>
+          </p:cNvSpPr>
+          <p:nvPr/>
+        </p:nvSpPr>
+        <p:spPr>
+          <a:xfrm>
+            <a:off x="7175056" y="3721871"/>
+            <a:ext cx="2158113" cy="336015"/>
+          </a:xfrm>
+          <a:prstGeom prst="rect">
+            <a:avLst/>
+          </a:prstGeom>
+        </p:spPr>
+        <p:txBody>
+          <a:bodyPr vert="horz" lIns="91440" tIns="45720" rIns="91440" bIns="45720" rtlCol="0" anchor="b">
+            <a:noAutofit/>
+          </a:bodyPr>
+          <a:lstStyle>
+            <a:lvl1pPr algn="r" defTabSz="457200" rtl="0" eaLnBrk="1" latinLnBrk="0" hangingPunct="1">
+              <a:spcBef>
+                <a:spcPct val="0"/>
+              </a:spcBef>
+              <a:buNone/>
+              <a:defRPr sz="5400" kern="1200">
+                <a:solidFill>
+                  <a:schemeClr val="accent1"/>
+                </a:solidFill>
+                <a:latin typeface="+mj-lt"/>
+                <a:ea typeface="+mj-ea"/>
+                <a:cs typeface="+mj-cs"/>
+              </a:defRPr>
+            </a:lvl1pPr>
+            <a:lvl2pPr eaLnBrk="1" hangingPunct="1">
+              <a:defRPr>
+                <a:solidFill>
+                  <a:schemeClr val="tx2"/>
+                </a:solidFill>
+              </a:defRPr>
+            </a:lvl2pPr>
+            <a:lvl3pPr eaLnBrk="1" hangingPunct="1">
+              <a:defRPr>
+                <a:solidFill>
+                  <a:schemeClr val="tx2"/>
+                </a:solidFill>
+              </a:defRPr>
+            </a:lvl3pPr>
+            <a:lvl4pPr eaLnBrk="1" hangingPunct="1">
+              <a:defRPr>
+                <a:solidFill>
+                  <a:schemeClr val="tx2"/>
+                </a:solidFill>
+              </a:defRPr>
+            </a:lvl4pPr>
+            <a:lvl5pPr eaLnBrk="1" hangingPunct="1">
+              <a:defRPr>
+                <a:solidFill>
+                  <a:schemeClr val="tx2"/>
+                </a:solidFill>
+              </a:defRPr>
+            </a:lvl5pPr>
+            <a:lvl6pPr eaLnBrk="1" hangingPunct="1">
+              <a:defRPr>
+                <a:solidFill>
+                  <a:schemeClr val="tx2"/>
+                </a:solidFill>
+              </a:defRPr>
+            </a:lvl6pPr>
+            <a:lvl7pPr eaLnBrk="1" hangingPunct="1">
+              <a:defRPr>
+                <a:solidFill>
+                  <a:schemeClr val="tx2"/>
+                </a:solidFill>
+              </a:defRPr>
+            </a:lvl7pPr>
+            <a:lvl8pPr eaLnBrk="1" hangingPunct="1">
+              <a:defRPr>
+                <a:solidFill>
+                  <a:schemeClr val="tx2"/>
+                </a:solidFill>
+              </a:defRPr>
+            </a:lvl8pPr>
+            <a:lvl9pPr eaLnBrk="1" hangingPunct="1">
+              <a:defRPr>
+                <a:solidFill>
+                  <a:schemeClr val="tx2"/>
+                </a:solidFill>
+              </a:defRPr>
+            </a:lvl9pPr>
+          </a:lstStyle>
+          <a:p>
+            <a:r>
+              <a:rPr lang="en-US" sz="1800" dirty="0">
+                <a:solidFill>
+                  <a:schemeClr val="tx1"/>
+                </a:solidFill>
+              </a:rPr>
+              <a:t>m</a:t>
+            </a:r>
+            <a:endParaRPr lang="ru-RU" sz="1800" dirty="0">
+              <a:solidFill>
+                <a:schemeClr val="tx1"/>
+              </a:solidFill>
+            </a:endParaRPr>
+          </a:p>
+        </p:txBody>
+      </p:sp>
+      <p:graphicFrame>
+        <p:nvGraphicFramePr>
+          <p:cNvPr id="21" name="Таблица 20">
+            <a:extLst>
+              <a:ext uri="{FF2B5EF4-FFF2-40B4-BE49-F238E27FC236}">
+                <a16:creationId xmlns:a16="http://schemas.microsoft.com/office/drawing/2014/main" id="{0EE31CF6-E635-3BF9-4423-13A02F32E348}"/>
+              </a:ext>
+            </a:extLst>
+          </p:cNvPr>
+          <p:cNvGraphicFramePr>
+            <a:graphicFrameLocks noGrp="1"/>
+          </p:cNvGraphicFramePr>
+          <p:nvPr>
+            <p:extLst>
+              <p:ext uri="{D42A27DB-BD31-4B8C-83A1-F6EECF244321}">
+                <p14:modId xmlns:p14="http://schemas.microsoft.com/office/powerpoint/2010/main" val="943254140"/>
+              </p:ext>
+            </p:extLst>
+          </p:nvPr>
+        </p:nvGraphicFramePr>
+        <p:xfrm>
+          <a:off x="1128646" y="1222244"/>
+          <a:ext cx="4116091" cy="370840"/>
+        </p:xfrm>
+        <a:graphic>
+          <a:graphicData uri="http://schemas.openxmlformats.org/drawingml/2006/table">
+            <a:tbl>
+              <a:tblPr firstRow="1" bandRow="1">
+                <a:tableStyleId>{073A0DAA-6AF3-43AB-8588-CEC1D06C72B9}</a:tableStyleId>
+              </a:tblPr>
+              <a:tblGrid>
+                <a:gridCol w="588013">
+                  <a:extLst>
+                    <a:ext uri="{9D8B030D-6E8A-4147-A177-3AD203B41FA5}">
+                      <a16:colId xmlns:a16="http://schemas.microsoft.com/office/drawing/2014/main" val="1876263449"/>
+                    </a:ext>
+                  </a:extLst>
+                </a:gridCol>
+                <a:gridCol w="588013">
+                  <a:extLst>
+                    <a:ext uri="{9D8B030D-6E8A-4147-A177-3AD203B41FA5}">
+                      <a16:colId xmlns:a16="http://schemas.microsoft.com/office/drawing/2014/main" val="1929482902"/>
+                    </a:ext>
+                  </a:extLst>
+                </a:gridCol>
+                <a:gridCol w="588013">
+                  <a:extLst>
+                    <a:ext uri="{9D8B030D-6E8A-4147-A177-3AD203B41FA5}">
+                      <a16:colId xmlns:a16="http://schemas.microsoft.com/office/drawing/2014/main" val="344799874"/>
+                    </a:ext>
+                  </a:extLst>
+                </a:gridCol>
+                <a:gridCol w="588013">
+                  <a:extLst>
+                    <a:ext uri="{9D8B030D-6E8A-4147-A177-3AD203B41FA5}">
+                      <a16:colId xmlns:a16="http://schemas.microsoft.com/office/drawing/2014/main" val="3214841185"/>
+                    </a:ext>
+                  </a:extLst>
+                </a:gridCol>
+                <a:gridCol w="588013">
+                  <a:extLst>
+                    <a:ext uri="{9D8B030D-6E8A-4147-A177-3AD203B41FA5}">
+                      <a16:colId xmlns:a16="http://schemas.microsoft.com/office/drawing/2014/main" val="1465082345"/>
+                    </a:ext>
+                  </a:extLst>
+                </a:gridCol>
+                <a:gridCol w="588013">
+                  <a:extLst>
+                    <a:ext uri="{9D8B030D-6E8A-4147-A177-3AD203B41FA5}">
+                      <a16:colId xmlns:a16="http://schemas.microsoft.com/office/drawing/2014/main" val="3846995542"/>
+                    </a:ext>
+                  </a:extLst>
+                </a:gridCol>
+                <a:gridCol w="588013">
+                  <a:extLst>
+                    <a:ext uri="{9D8B030D-6E8A-4147-A177-3AD203B41FA5}">
+                      <a16:colId xmlns:a16="http://schemas.microsoft.com/office/drawing/2014/main" val="2420690758"/>
+                    </a:ext>
+                  </a:extLst>
+                </a:gridCol>
+              </a:tblGrid>
+              <a:tr h="370840">
+                <a:tc>
+                  <a:txBody>
+                    <a:bodyPr/>
+                    <a:lstStyle/>
+                    <a:p>
+                      <a:r>
+                        <a:rPr lang="ru-RU" dirty="0">
+                          <a:solidFill>
+                            <a:sysClr val="windowText" lastClr="000000"/>
+                          </a:solidFill>
+                        </a:rPr>
+                        <a:t>0</a:t>
+                      </a:r>
+                    </a:p>
+                  </a:txBody>
+                  <a:tcPr>
+                    <a:lnL w="12700" cap="flat" cmpd="sng" algn="ctr">
+                      <a:solidFill>
+                        <a:schemeClr val="tx1">
+                          <a:lumMod val="65000"/>
+                          <a:lumOff val="35000"/>
+                        </a:schemeClr>
+                      </a:solidFill>
+                      <a:prstDash val="solid"/>
+                      <a:round/>
+                      <a:headEnd type="none" w="med" len="med"/>
+                      <a:tailEnd type="none" w="med" len="med"/>
+                    </a:lnL>
+                    <a:lnR w="12700" cap="flat" cmpd="sng" algn="ctr">
+                      <a:solidFill>
+                        <a:schemeClr val="tx1">
+                          <a:lumMod val="65000"/>
+                          <a:lumOff val="35000"/>
+                        </a:schemeClr>
+                      </a:solidFill>
+                      <a:prstDash val="solid"/>
+                      <a:round/>
+                      <a:headEnd type="none" w="med" len="med"/>
+                      <a:tailEnd type="none" w="med" len="med"/>
+                    </a:lnR>
+                    <a:lnT w="12700" cap="flat" cmpd="sng" algn="ctr">
+                      <a:solidFill>
+                        <a:schemeClr val="tx1">
+                          <a:lumMod val="65000"/>
+                          <a:lumOff val="35000"/>
+                        </a:schemeClr>
+                      </a:solidFill>
+                      <a:prstDash val="solid"/>
+                      <a:round/>
+                      <a:headEnd type="none" w="med" len="med"/>
+                      <a:tailEnd type="none" w="med" len="med"/>
+                    </a:lnT>
+                    <a:lnB w="12700" cap="flat" cmpd="sng" algn="ctr">
+                      <a:solidFill>
+                        <a:schemeClr val="tx1">
+                          <a:lumMod val="65000"/>
+                          <a:lumOff val="35000"/>
+                        </a:schemeClr>
+                      </a:solidFill>
+                      <a:prstDash val="solid"/>
+                      <a:round/>
+                      <a:headEnd type="none" w="med" len="med"/>
+                      <a:tailEnd type="none" w="med" len="med"/>
+                    </a:lnB>
+                    <a:solidFill>
+                      <a:schemeClr val="bg1"/>
+                    </a:solidFill>
+                  </a:tcPr>
+                </a:tc>
+                <a:tc>
+                  <a:txBody>
+                    <a:bodyPr/>
+                    <a:lstStyle/>
+                    <a:p>
+                      <a:endParaRPr lang="ru-RU">
+                        <a:solidFill>
+                          <a:sysClr val="windowText" lastClr="000000"/>
+                        </a:solidFill>
+                      </a:endParaRPr>
+                    </a:p>
+                  </a:txBody>
+                  <a:tcPr>
+                    <a:lnL w="12700" cap="flat" cmpd="sng" algn="ctr">
+                      <a:solidFill>
+                        <a:schemeClr val="tx1">
+                          <a:lumMod val="65000"/>
+                          <a:lumOff val="35000"/>
+                        </a:schemeClr>
+                      </a:solidFill>
+                      <a:prstDash val="solid"/>
+                      <a:round/>
+                      <a:headEnd type="none" w="med" len="med"/>
+                      <a:tailEnd type="none" w="med" len="med"/>
+                    </a:lnL>
+                    <a:lnR w="12700" cap="flat" cmpd="sng" algn="ctr">
+                      <a:solidFill>
+                        <a:schemeClr val="tx1">
+                          <a:lumMod val="65000"/>
+                          <a:lumOff val="35000"/>
+                        </a:schemeClr>
+                      </a:solidFill>
+                      <a:prstDash val="solid"/>
+                      <a:round/>
+                      <a:headEnd type="none" w="med" len="med"/>
+                      <a:tailEnd type="none" w="med" len="med"/>
+                    </a:lnR>
+                    <a:lnT w="12700" cap="flat" cmpd="sng" algn="ctr">
+                      <a:solidFill>
+                        <a:schemeClr val="tx1">
+                          <a:lumMod val="65000"/>
+                          <a:lumOff val="35000"/>
+                        </a:schemeClr>
+                      </a:solidFill>
+                      <a:prstDash val="solid"/>
+                      <a:round/>
+                      <a:headEnd type="none" w="med" len="med"/>
+                      <a:tailEnd type="none" w="med" len="med"/>
+                    </a:lnT>
+                    <a:lnB w="12700" cap="flat" cmpd="sng" algn="ctr">
+                      <a:solidFill>
+                        <a:schemeClr val="tx1">
+                          <a:lumMod val="65000"/>
+                          <a:lumOff val="35000"/>
+                        </a:schemeClr>
+                      </a:solidFill>
+                      <a:prstDash val="solid"/>
+                      <a:round/>
+                      <a:headEnd type="none" w="med" len="med"/>
+                      <a:tailEnd type="none" w="med" len="med"/>
+                    </a:lnB>
+                    <a:solidFill>
+                      <a:schemeClr val="bg1"/>
+                    </a:solidFill>
+                  </a:tcPr>
+                </a:tc>
+                <a:tc>
+                  <a:txBody>
+                    <a:bodyPr/>
+                    <a:lstStyle/>
+                    <a:p>
+                      <a:endParaRPr lang="ru-RU">
+                        <a:solidFill>
+                          <a:sysClr val="windowText" lastClr="000000"/>
+                        </a:solidFill>
+                      </a:endParaRPr>
+                    </a:p>
+                  </a:txBody>
+                  <a:tcPr>
+                    <a:lnL w="12700" cap="flat" cmpd="sng" algn="ctr">
+                      <a:solidFill>
+                        <a:schemeClr val="tx1">
+                          <a:lumMod val="65000"/>
+                          <a:lumOff val="35000"/>
+                        </a:schemeClr>
+                      </a:solidFill>
+                      <a:prstDash val="solid"/>
+                      <a:round/>
+                      <a:headEnd type="none" w="med" len="med"/>
+                      <a:tailEnd type="none" w="med" len="med"/>
+                    </a:lnL>
+                    <a:lnR w="12700" cap="flat" cmpd="sng" algn="ctr">
+                      <a:solidFill>
+                        <a:schemeClr val="tx1">
+                          <a:lumMod val="65000"/>
+                          <a:lumOff val="35000"/>
+                        </a:schemeClr>
+                      </a:solidFill>
+                      <a:prstDash val="solid"/>
+                      <a:round/>
+                      <a:headEnd type="none" w="med" len="med"/>
+                      <a:tailEnd type="none" w="med" len="med"/>
+                    </a:lnR>
+                    <a:lnT w="12700" cap="flat" cmpd="sng" algn="ctr">
+                      <a:solidFill>
+                        <a:schemeClr val="tx1">
+                          <a:lumMod val="65000"/>
+                          <a:lumOff val="35000"/>
+                        </a:schemeClr>
+                      </a:solidFill>
+                      <a:prstDash val="solid"/>
+                      <a:round/>
+                      <a:headEnd type="none" w="med" len="med"/>
+                      <a:tailEnd type="none" w="med" len="med"/>
+                    </a:lnT>
+                    <a:lnB w="12700" cap="flat" cmpd="sng" algn="ctr">
+                      <a:solidFill>
+                        <a:schemeClr val="tx1">
+                          <a:lumMod val="65000"/>
+                          <a:lumOff val="35000"/>
+                        </a:schemeClr>
+                      </a:solidFill>
+                      <a:prstDash val="solid"/>
+                      <a:round/>
+                      <a:headEnd type="none" w="med" len="med"/>
+                      <a:tailEnd type="none" w="med" len="med"/>
+                    </a:lnB>
+                    <a:solidFill>
+                      <a:schemeClr val="bg1"/>
+                    </a:solidFill>
+                  </a:tcPr>
+                </a:tc>
+                <a:tc>
+                  <a:txBody>
+                    <a:bodyPr/>
+                    <a:lstStyle/>
+                    <a:p>
+                      <a:r>
+                        <a:rPr lang="ru-RU" dirty="0">
+                          <a:solidFill>
+                            <a:sysClr val="windowText" lastClr="000000"/>
+                          </a:solidFill>
+                        </a:rPr>
+                        <a:t>15</a:t>
+                      </a:r>
+                    </a:p>
+                  </a:txBody>
+                  <a:tcPr>
+                    <a:lnL w="12700" cap="flat" cmpd="sng" algn="ctr">
+                      <a:solidFill>
+                        <a:schemeClr val="tx1">
+                          <a:lumMod val="65000"/>
+                          <a:lumOff val="35000"/>
+                        </a:schemeClr>
+                      </a:solidFill>
+                      <a:prstDash val="solid"/>
+                      <a:round/>
+                      <a:headEnd type="none" w="med" len="med"/>
+                      <a:tailEnd type="none" w="med" len="med"/>
+                    </a:lnL>
+                    <a:lnR w="12700" cap="flat" cmpd="sng" algn="ctr">
+                      <a:solidFill>
+                        <a:schemeClr val="tx1">
+                          <a:lumMod val="65000"/>
+                          <a:lumOff val="35000"/>
+                        </a:schemeClr>
+                      </a:solidFill>
+                      <a:prstDash val="solid"/>
+                      <a:round/>
+                      <a:headEnd type="none" w="med" len="med"/>
+                      <a:tailEnd type="none" w="med" len="med"/>
+                    </a:lnR>
+                    <a:lnT w="12700" cap="flat" cmpd="sng" algn="ctr">
+                      <a:solidFill>
+                        <a:schemeClr val="tx1">
+                          <a:lumMod val="65000"/>
+                          <a:lumOff val="35000"/>
+                        </a:schemeClr>
+                      </a:solidFill>
+                      <a:prstDash val="solid"/>
+                      <a:round/>
+                      <a:headEnd type="none" w="med" len="med"/>
+                      <a:tailEnd type="none" w="med" len="med"/>
+                    </a:lnT>
+                    <a:lnB w="12700" cap="flat" cmpd="sng" algn="ctr">
+                      <a:solidFill>
+                        <a:schemeClr val="tx1">
+                          <a:lumMod val="65000"/>
+                          <a:lumOff val="35000"/>
+                        </a:schemeClr>
+                      </a:solidFill>
+                      <a:prstDash val="solid"/>
+                      <a:round/>
+                      <a:headEnd type="none" w="med" len="med"/>
+                      <a:tailEnd type="none" w="med" len="med"/>
+                    </a:lnB>
+                    <a:solidFill>
+                      <a:schemeClr val="bg1"/>
+                    </a:solidFill>
+                  </a:tcPr>
+                </a:tc>
+                <a:tc>
+                  <a:txBody>
+                    <a:bodyPr/>
+                    <a:lstStyle/>
+                    <a:p>
+                      <a:endParaRPr lang="ru-RU">
+                        <a:solidFill>
+                          <a:sysClr val="windowText" lastClr="000000"/>
+                        </a:solidFill>
+                      </a:endParaRPr>
+                    </a:p>
+                  </a:txBody>
+                  <a:tcPr>
+                    <a:lnL w="12700" cap="flat" cmpd="sng" algn="ctr">
+                      <a:solidFill>
+                        <a:schemeClr val="tx1">
+                          <a:lumMod val="65000"/>
+                          <a:lumOff val="35000"/>
+                        </a:schemeClr>
+                      </a:solidFill>
+                      <a:prstDash val="solid"/>
+                      <a:round/>
+                      <a:headEnd type="none" w="med" len="med"/>
+                      <a:tailEnd type="none" w="med" len="med"/>
+                    </a:lnL>
+                    <a:lnR w="12700" cap="flat" cmpd="sng" algn="ctr">
+                      <a:solidFill>
+                        <a:schemeClr val="tx1">
+                          <a:lumMod val="65000"/>
+                          <a:lumOff val="35000"/>
+                        </a:schemeClr>
+                      </a:solidFill>
+                      <a:prstDash val="solid"/>
+                      <a:round/>
+                      <a:headEnd type="none" w="med" len="med"/>
+                      <a:tailEnd type="none" w="med" len="med"/>
+                    </a:lnR>
+                    <a:lnT w="12700" cap="flat" cmpd="sng" algn="ctr">
+                      <a:solidFill>
+                        <a:schemeClr val="tx1">
+                          <a:lumMod val="65000"/>
+                          <a:lumOff val="35000"/>
+                        </a:schemeClr>
+                      </a:solidFill>
+                      <a:prstDash val="solid"/>
+                      <a:round/>
+                      <a:headEnd type="none" w="med" len="med"/>
+                      <a:tailEnd type="none" w="med" len="med"/>
+                    </a:lnT>
+                    <a:lnB w="12700" cap="flat" cmpd="sng" algn="ctr">
+                      <a:solidFill>
+                        <a:schemeClr val="tx1">
+                          <a:lumMod val="65000"/>
+                          <a:lumOff val="35000"/>
+                        </a:schemeClr>
+                      </a:solidFill>
+                      <a:prstDash val="solid"/>
+                      <a:round/>
+                      <a:headEnd type="none" w="med" len="med"/>
+                      <a:tailEnd type="none" w="med" len="med"/>
+                    </a:lnB>
+                    <a:solidFill>
+                      <a:schemeClr val="bg1"/>
+                    </a:solidFill>
+                  </a:tcPr>
+                </a:tc>
+                <a:tc>
+                  <a:txBody>
+                    <a:bodyPr/>
+                    <a:lstStyle/>
+                    <a:p>
+                      <a:endParaRPr lang="ru-RU">
+                        <a:solidFill>
+                          <a:sysClr val="windowText" lastClr="000000"/>
+                        </a:solidFill>
+                      </a:endParaRPr>
+                    </a:p>
+                  </a:txBody>
+                  <a:tcPr>
+                    <a:lnL w="12700" cap="flat" cmpd="sng" algn="ctr">
+                      <a:solidFill>
+                        <a:schemeClr val="tx1">
+                          <a:lumMod val="65000"/>
+                          <a:lumOff val="35000"/>
+                        </a:schemeClr>
+                      </a:solidFill>
+                      <a:prstDash val="solid"/>
+                      <a:round/>
+                      <a:headEnd type="none" w="med" len="med"/>
+                      <a:tailEnd type="none" w="med" len="med"/>
+                    </a:lnL>
+                    <a:lnR w="12700" cap="flat" cmpd="sng" algn="ctr">
+                      <a:solidFill>
+                        <a:schemeClr val="tx1">
+                          <a:lumMod val="65000"/>
+                          <a:lumOff val="35000"/>
+                        </a:schemeClr>
+                      </a:solidFill>
+                      <a:prstDash val="solid"/>
+                      <a:round/>
+                      <a:headEnd type="none" w="med" len="med"/>
+                      <a:tailEnd type="none" w="med" len="med"/>
+                    </a:lnR>
+                    <a:lnT w="12700" cap="flat" cmpd="sng" algn="ctr">
+                      <a:solidFill>
+                        <a:schemeClr val="tx1">
+                          <a:lumMod val="65000"/>
+                          <a:lumOff val="35000"/>
+                        </a:schemeClr>
+                      </a:solidFill>
+                      <a:prstDash val="solid"/>
+                      <a:round/>
+                      <a:headEnd type="none" w="med" len="med"/>
+                      <a:tailEnd type="none" w="med" len="med"/>
+                    </a:lnT>
+                    <a:lnB w="12700" cap="flat" cmpd="sng" algn="ctr">
+                      <a:solidFill>
+                        <a:schemeClr val="tx1">
+                          <a:lumMod val="65000"/>
+                          <a:lumOff val="35000"/>
+                        </a:schemeClr>
+                      </a:solidFill>
+                      <a:prstDash val="solid"/>
+                      <a:round/>
+                      <a:headEnd type="none" w="med" len="med"/>
+                      <a:tailEnd type="none" w="med" len="med"/>
+                    </a:lnB>
+                    <a:solidFill>
+                      <a:schemeClr val="bg1"/>
+                    </a:solidFill>
+                  </a:tcPr>
+                </a:tc>
+                <a:tc>
+                  <a:txBody>
+                    <a:bodyPr/>
+                    <a:lstStyle/>
+                    <a:p>
+                      <a:r>
+                        <a:rPr lang="ru-RU" dirty="0">
+                          <a:solidFill>
+                            <a:sysClr val="windowText" lastClr="000000"/>
+                          </a:solidFill>
+                        </a:rPr>
+                        <a:t>31</a:t>
+                      </a:r>
+                    </a:p>
+                  </a:txBody>
+                  <a:tcPr>
+                    <a:lnL w="12700" cap="flat" cmpd="sng" algn="ctr">
+                      <a:solidFill>
+                        <a:schemeClr val="tx1">
+                          <a:lumMod val="65000"/>
+                          <a:lumOff val="35000"/>
+                        </a:schemeClr>
+                      </a:solidFill>
+                      <a:prstDash val="solid"/>
+                      <a:round/>
+                      <a:headEnd type="none" w="med" len="med"/>
+                      <a:tailEnd type="none" w="med" len="med"/>
+                    </a:lnL>
+                    <a:lnR w="12700" cap="flat" cmpd="sng" algn="ctr">
+                      <a:solidFill>
+                        <a:schemeClr val="tx1">
+                          <a:lumMod val="65000"/>
+                          <a:lumOff val="35000"/>
+                        </a:schemeClr>
+                      </a:solidFill>
+                      <a:prstDash val="solid"/>
+                      <a:round/>
+                      <a:headEnd type="none" w="med" len="med"/>
+                      <a:tailEnd type="none" w="med" len="med"/>
+                    </a:lnR>
+                    <a:lnT w="12700" cap="flat" cmpd="sng" algn="ctr">
+                      <a:solidFill>
+                        <a:schemeClr val="tx1">
+                          <a:lumMod val="65000"/>
+                          <a:lumOff val="35000"/>
+                        </a:schemeClr>
+                      </a:solidFill>
+                      <a:prstDash val="solid"/>
+                      <a:round/>
+                      <a:headEnd type="none" w="med" len="med"/>
+                      <a:tailEnd type="none" w="med" len="med"/>
+                    </a:lnT>
+                    <a:lnB w="12700" cap="flat" cmpd="sng" algn="ctr">
+                      <a:solidFill>
+                        <a:schemeClr val="tx1">
+                          <a:lumMod val="65000"/>
+                          <a:lumOff val="35000"/>
+                        </a:schemeClr>
+                      </a:solidFill>
+                      <a:prstDash val="solid"/>
+                      <a:round/>
+                      <a:headEnd type="none" w="med" len="med"/>
+                      <a:tailEnd type="none" w="med" len="med"/>
+                    </a:lnB>
+                    <a:solidFill>
+                      <a:schemeClr val="bg1"/>
+                    </a:solidFill>
+                  </a:tcPr>
+                </a:tc>
+                <a:extLst>
+                  <a:ext uri="{0D108BD9-81ED-4DB2-BD59-A6C34878D82A}">
+                    <a16:rowId xmlns:a16="http://schemas.microsoft.com/office/drawing/2014/main" val="3875952840"/>
+                  </a:ext>
+                </a:extLst>
+              </a:tr>
+            </a:tbl>
+          </a:graphicData>
+        </a:graphic>
+      </p:graphicFrame>
+      <p:sp>
+        <p:nvSpPr>
+          <p:cNvPr id="22" name="Заголовок 1">
+            <a:extLst>
+              <a:ext uri="{FF2B5EF4-FFF2-40B4-BE49-F238E27FC236}">
+                <a16:creationId xmlns:a16="http://schemas.microsoft.com/office/drawing/2014/main" id="{38C10722-1517-937B-D19E-D533711E215C}"/>
+              </a:ext>
+            </a:extLst>
+          </p:cNvPr>
+          <p:cNvSpPr txBox="1">
+            <a:spLocks/>
+          </p:cNvSpPr>
+          <p:nvPr/>
+        </p:nvSpPr>
+        <p:spPr>
+          <a:xfrm>
+            <a:off x="1828801" y="2924839"/>
+            <a:ext cx="477467" cy="336015"/>
+          </a:xfrm>
+          <a:prstGeom prst="rect">
+            <a:avLst/>
+          </a:prstGeom>
+        </p:spPr>
+        <p:txBody>
+          <a:bodyPr vert="horz" lIns="91440" tIns="45720" rIns="91440" bIns="45720" rtlCol="0" anchor="b">
+            <a:noAutofit/>
+          </a:bodyPr>
+          <a:lstStyle>
+            <a:lvl1pPr algn="r" defTabSz="457200" rtl="0" eaLnBrk="1" latinLnBrk="0" hangingPunct="1">
+              <a:spcBef>
+                <a:spcPct val="0"/>
+              </a:spcBef>
+              <a:buNone/>
+              <a:defRPr sz="5400" kern="1200">
+                <a:solidFill>
+                  <a:schemeClr val="accent1"/>
+                </a:solidFill>
+                <a:latin typeface="+mj-lt"/>
+                <a:ea typeface="+mj-ea"/>
+                <a:cs typeface="+mj-cs"/>
+              </a:defRPr>
+            </a:lvl1pPr>
+            <a:lvl2pPr eaLnBrk="1" hangingPunct="1">
+              <a:defRPr>
+                <a:solidFill>
+                  <a:schemeClr val="tx2"/>
+                </a:solidFill>
+              </a:defRPr>
+            </a:lvl2pPr>
+            <a:lvl3pPr eaLnBrk="1" hangingPunct="1">
+              <a:defRPr>
+                <a:solidFill>
+                  <a:schemeClr val="tx2"/>
+                </a:solidFill>
+              </a:defRPr>
+            </a:lvl3pPr>
+            <a:lvl4pPr eaLnBrk="1" hangingPunct="1">
+              <a:defRPr>
+                <a:solidFill>
+                  <a:schemeClr val="tx2"/>
+                </a:solidFill>
+              </a:defRPr>
+            </a:lvl4pPr>
+            <a:lvl5pPr eaLnBrk="1" hangingPunct="1">
+              <a:defRPr>
+                <a:solidFill>
+                  <a:schemeClr val="tx2"/>
+                </a:solidFill>
+              </a:defRPr>
+            </a:lvl5pPr>
+            <a:lvl6pPr eaLnBrk="1" hangingPunct="1">
+              <a:defRPr>
+                <a:solidFill>
+                  <a:schemeClr val="tx2"/>
+                </a:solidFill>
+              </a:defRPr>
+            </a:lvl6pPr>
+            <a:lvl7pPr eaLnBrk="1" hangingPunct="1">
+              <a:defRPr>
+                <a:solidFill>
+                  <a:schemeClr val="tx2"/>
+                </a:solidFill>
+              </a:defRPr>
+            </a:lvl7pPr>
+            <a:lvl8pPr eaLnBrk="1" hangingPunct="1">
+              <a:defRPr>
+                <a:solidFill>
+                  <a:schemeClr val="tx2"/>
+                </a:solidFill>
+              </a:defRPr>
+            </a:lvl8pPr>
+            <a:lvl9pPr eaLnBrk="1" hangingPunct="1">
+              <a:defRPr>
+                <a:solidFill>
+                  <a:schemeClr val="tx2"/>
+                </a:solidFill>
+              </a:defRPr>
+            </a:lvl9pPr>
+          </a:lstStyle>
+          <a:p>
+            <a:r>
+              <a:rPr lang="en-US" sz="1800" dirty="0">
+                <a:solidFill>
+                  <a:schemeClr val="tx1"/>
+                </a:solidFill>
+              </a:rPr>
+              <a:t>lo</a:t>
+            </a:r>
+            <a:endParaRPr lang="ru-RU" sz="1800" dirty="0">
+              <a:solidFill>
+                <a:schemeClr val="tx1"/>
+              </a:solidFill>
+            </a:endParaRPr>
+          </a:p>
+        </p:txBody>
+      </p:sp>
+      <p:sp>
+        <p:nvSpPr>
+          <p:cNvPr id="23" name="Заголовок 1">
+            <a:extLst>
+              <a:ext uri="{FF2B5EF4-FFF2-40B4-BE49-F238E27FC236}">
+                <a16:creationId xmlns:a16="http://schemas.microsoft.com/office/drawing/2014/main" id="{C7E3B981-3467-C7CE-625A-3B4160113742}"/>
+              </a:ext>
+            </a:extLst>
+          </p:cNvPr>
+          <p:cNvSpPr txBox="1">
+            <a:spLocks/>
+          </p:cNvSpPr>
+          <p:nvPr/>
+        </p:nvSpPr>
+        <p:spPr>
+          <a:xfrm>
+            <a:off x="3935962" y="2935096"/>
+            <a:ext cx="477467" cy="336015"/>
+          </a:xfrm>
+          <a:prstGeom prst="rect">
+            <a:avLst/>
+          </a:prstGeom>
+        </p:spPr>
+        <p:txBody>
+          <a:bodyPr vert="horz" lIns="91440" tIns="45720" rIns="91440" bIns="45720" rtlCol="0" anchor="b">
+            <a:noAutofit/>
+          </a:bodyPr>
+          <a:lstStyle>
+            <a:lvl1pPr algn="r" defTabSz="457200" rtl="0" eaLnBrk="1" latinLnBrk="0" hangingPunct="1">
+              <a:spcBef>
+                <a:spcPct val="0"/>
+              </a:spcBef>
+              <a:buNone/>
+              <a:defRPr sz="5400" kern="1200">
+                <a:solidFill>
+                  <a:schemeClr val="accent1"/>
+                </a:solidFill>
+                <a:latin typeface="+mj-lt"/>
+                <a:ea typeface="+mj-ea"/>
+                <a:cs typeface="+mj-cs"/>
+              </a:defRPr>
+            </a:lvl1pPr>
+            <a:lvl2pPr eaLnBrk="1" hangingPunct="1">
+              <a:defRPr>
+                <a:solidFill>
+                  <a:schemeClr val="tx2"/>
+                </a:solidFill>
+              </a:defRPr>
+            </a:lvl2pPr>
+            <a:lvl3pPr eaLnBrk="1" hangingPunct="1">
+              <a:defRPr>
+                <a:solidFill>
+                  <a:schemeClr val="tx2"/>
+                </a:solidFill>
+              </a:defRPr>
+            </a:lvl3pPr>
+            <a:lvl4pPr eaLnBrk="1" hangingPunct="1">
+              <a:defRPr>
+                <a:solidFill>
+                  <a:schemeClr val="tx2"/>
+                </a:solidFill>
+              </a:defRPr>
+            </a:lvl4pPr>
+            <a:lvl5pPr eaLnBrk="1" hangingPunct="1">
+              <a:defRPr>
+                <a:solidFill>
+                  <a:schemeClr val="tx2"/>
+                </a:solidFill>
+              </a:defRPr>
+            </a:lvl5pPr>
+            <a:lvl6pPr eaLnBrk="1" hangingPunct="1">
+              <a:defRPr>
+                <a:solidFill>
+                  <a:schemeClr val="tx2"/>
+                </a:solidFill>
+              </a:defRPr>
+            </a:lvl6pPr>
+            <a:lvl7pPr eaLnBrk="1" hangingPunct="1">
+              <a:defRPr>
+                <a:solidFill>
+                  <a:schemeClr val="tx2"/>
+                </a:solidFill>
+              </a:defRPr>
+            </a:lvl7pPr>
+            <a:lvl8pPr eaLnBrk="1" hangingPunct="1">
+              <a:defRPr>
+                <a:solidFill>
+                  <a:schemeClr val="tx2"/>
+                </a:solidFill>
+              </a:defRPr>
+            </a:lvl8pPr>
+            <a:lvl9pPr eaLnBrk="1" hangingPunct="1">
+              <a:defRPr>
+                <a:solidFill>
+                  <a:schemeClr val="tx2"/>
+                </a:solidFill>
+              </a:defRPr>
+            </a:lvl9pPr>
+          </a:lstStyle>
+          <a:p>
+            <a:r>
+              <a:rPr lang="en-US" sz="1800" dirty="0">
+                <a:solidFill>
+                  <a:schemeClr val="tx1"/>
+                </a:solidFill>
+              </a:rPr>
+              <a:t>hi</a:t>
+            </a:r>
+            <a:endParaRPr lang="ru-RU" sz="1800" dirty="0">
+              <a:solidFill>
+                <a:schemeClr val="tx1"/>
+              </a:solidFill>
+            </a:endParaRPr>
+          </a:p>
+        </p:txBody>
+      </p:sp>
+      <p:cxnSp>
+        <p:nvCxnSpPr>
+          <p:cNvPr id="25" name="Прямая со стрелкой 24">
+            <a:extLst>
+              <a:ext uri="{FF2B5EF4-FFF2-40B4-BE49-F238E27FC236}">
+                <a16:creationId xmlns:a16="http://schemas.microsoft.com/office/drawing/2014/main" id="{8B202DF7-4A3B-A8F9-4020-0D1FB1E776F2}"/>
+              </a:ext>
+            </a:extLst>
+          </p:cNvPr>
+          <p:cNvCxnSpPr>
+            <a:cxnSpLocks/>
+            <a:stCxn id="22" idx="0"/>
+          </p:cNvCxnSpPr>
+          <p:nvPr/>
+        </p:nvCxnSpPr>
+        <p:spPr>
+          <a:xfrm flipH="1" flipV="1">
+            <a:off x="2067534" y="1801761"/>
+            <a:ext cx="1" cy="1123078"/>
+          </a:xfrm>
+          <a:prstGeom prst="straightConnector1">
+            <a:avLst/>
+          </a:prstGeom>
+          <a:ln>
+            <a:tailEnd type="triangle"/>
+          </a:ln>
+        </p:spPr>
+        <p:style>
+          <a:lnRef idx="1">
+            <a:schemeClr val="dk1"/>
+          </a:lnRef>
+          <a:fillRef idx="0">
+            <a:schemeClr val="dk1"/>
+          </a:fillRef>
+          <a:effectRef idx="0">
+            <a:schemeClr val="dk1"/>
+          </a:effectRef>
+          <a:fontRef idx="minor">
+            <a:schemeClr val="tx1"/>
+          </a:fontRef>
+        </p:style>
+      </p:cxnSp>
+      <p:cxnSp>
+        <p:nvCxnSpPr>
+          <p:cNvPr id="28" name="Прямая со стрелкой 27">
+            <a:extLst>
+              <a:ext uri="{FF2B5EF4-FFF2-40B4-BE49-F238E27FC236}">
+                <a16:creationId xmlns:a16="http://schemas.microsoft.com/office/drawing/2014/main" id="{DF3CB710-950D-EFCB-66E8-00789A846710}"/>
+              </a:ext>
+            </a:extLst>
+          </p:cNvPr>
+          <p:cNvCxnSpPr>
+            <a:cxnSpLocks/>
+          </p:cNvCxnSpPr>
+          <p:nvPr/>
+        </p:nvCxnSpPr>
+        <p:spPr>
+          <a:xfrm flipH="1" flipV="1">
+            <a:off x="4220992" y="1824068"/>
+            <a:ext cx="1" cy="1123078"/>
+          </a:xfrm>
+          <a:prstGeom prst="straightConnector1">
+            <a:avLst/>
+          </a:prstGeom>
+          <a:ln>
+            <a:tailEnd type="triangle"/>
+          </a:ln>
+        </p:spPr>
+        <p:style>
+          <a:lnRef idx="1">
+            <a:schemeClr val="dk1"/>
+          </a:lnRef>
+          <a:fillRef idx="0">
+            <a:schemeClr val="dk1"/>
+          </a:fillRef>
+          <a:effectRef idx="0">
+            <a:schemeClr val="dk1"/>
+          </a:effectRef>
+          <a:fontRef idx="minor">
+            <a:schemeClr val="tx1"/>
+          </a:fontRef>
+        </p:style>
+      </p:cxnSp>
+      <p:sp>
+        <p:nvSpPr>
+          <p:cNvPr id="29" name="Заголовок 1">
+            <a:extLst>
+              <a:ext uri="{FF2B5EF4-FFF2-40B4-BE49-F238E27FC236}">
+                <a16:creationId xmlns:a16="http://schemas.microsoft.com/office/drawing/2014/main" id="{44815877-C2CC-38F3-64A0-42C3967E0B5C}"/>
+              </a:ext>
+            </a:extLst>
+          </p:cNvPr>
+          <p:cNvSpPr txBox="1">
+            <a:spLocks/>
+          </p:cNvSpPr>
+          <p:nvPr/>
+        </p:nvSpPr>
+        <p:spPr>
+          <a:xfrm>
+            <a:off x="6374450" y="2097277"/>
+            <a:ext cx="910900" cy="336015"/>
+          </a:xfrm>
+          <a:prstGeom prst="rect">
+            <a:avLst/>
+          </a:prstGeom>
+        </p:spPr>
+        <p:txBody>
+          <a:bodyPr vert="horz" lIns="91440" tIns="45720" rIns="91440" bIns="45720" rtlCol="0" anchor="b">
+            <a:noAutofit/>
+          </a:bodyPr>
+          <a:lstStyle>
+            <a:lvl1pPr algn="r" defTabSz="457200" rtl="0" eaLnBrk="1" latinLnBrk="0" hangingPunct="1">
+              <a:spcBef>
+                <a:spcPct val="0"/>
+              </a:spcBef>
+              <a:buNone/>
+              <a:defRPr sz="5400" kern="1200">
+                <a:solidFill>
+                  <a:schemeClr val="accent1"/>
+                </a:solidFill>
+                <a:latin typeface="+mj-lt"/>
+                <a:ea typeface="+mj-ea"/>
+                <a:cs typeface="+mj-cs"/>
+              </a:defRPr>
+            </a:lvl1pPr>
+            <a:lvl2pPr eaLnBrk="1" hangingPunct="1">
+              <a:defRPr>
+                <a:solidFill>
+                  <a:schemeClr val="tx2"/>
+                </a:solidFill>
+              </a:defRPr>
+            </a:lvl2pPr>
+            <a:lvl3pPr eaLnBrk="1" hangingPunct="1">
+              <a:defRPr>
+                <a:solidFill>
+                  <a:schemeClr val="tx2"/>
+                </a:solidFill>
+              </a:defRPr>
+            </a:lvl3pPr>
+            <a:lvl4pPr eaLnBrk="1" hangingPunct="1">
+              <a:defRPr>
+                <a:solidFill>
+                  <a:schemeClr val="tx2"/>
+                </a:solidFill>
+              </a:defRPr>
+            </a:lvl4pPr>
+            <a:lvl5pPr eaLnBrk="1" hangingPunct="1">
+              <a:defRPr>
+                <a:solidFill>
+                  <a:schemeClr val="tx2"/>
+                </a:solidFill>
+              </a:defRPr>
+            </a:lvl5pPr>
+            <a:lvl6pPr eaLnBrk="1" hangingPunct="1">
+              <a:defRPr>
+                <a:solidFill>
+                  <a:schemeClr val="tx2"/>
+                </a:solidFill>
+              </a:defRPr>
+            </a:lvl6pPr>
+            <a:lvl7pPr eaLnBrk="1" hangingPunct="1">
+              <a:defRPr>
+                <a:solidFill>
+                  <a:schemeClr val="tx2"/>
+                </a:solidFill>
+              </a:defRPr>
+            </a:lvl7pPr>
+            <a:lvl8pPr eaLnBrk="1" hangingPunct="1">
+              <a:defRPr>
+                <a:solidFill>
+                  <a:schemeClr val="tx2"/>
+                </a:solidFill>
+              </a:defRPr>
+            </a:lvl8pPr>
+            <a:lvl9pPr eaLnBrk="1" hangingPunct="1">
+              <a:defRPr>
+                <a:solidFill>
+                  <a:schemeClr val="tx2"/>
+                </a:solidFill>
+              </a:defRPr>
+            </a:lvl9pPr>
+          </a:lstStyle>
+          <a:p>
+            <a:r>
+              <a:rPr lang="en-US" sz="1800" dirty="0">
+                <a:solidFill>
+                  <a:schemeClr val="tx1"/>
+                </a:solidFill>
+              </a:rPr>
+              <a:t>Hash=</a:t>
+            </a:r>
+            <a:endParaRPr lang="ru-RU" sz="1800" dirty="0">
+              <a:solidFill>
+                <a:schemeClr val="tx1"/>
+              </a:solidFill>
+            </a:endParaRPr>
+          </a:p>
+        </p:txBody>
+      </p:sp>
+      <p:sp>
+        <p:nvSpPr>
+          <p:cNvPr id="30" name="Заголовок 1">
+            <a:extLst>
+              <a:ext uri="{FF2B5EF4-FFF2-40B4-BE49-F238E27FC236}">
+                <a16:creationId xmlns:a16="http://schemas.microsoft.com/office/drawing/2014/main" id="{31467E31-54D7-94F3-2E3E-87D53031D03D}"/>
+              </a:ext>
+            </a:extLst>
+          </p:cNvPr>
+          <p:cNvSpPr txBox="1">
+            <a:spLocks/>
+          </p:cNvSpPr>
+          <p:nvPr/>
+        </p:nvSpPr>
+        <p:spPr>
+          <a:xfrm>
+            <a:off x="6374449" y="3349630"/>
+            <a:ext cx="1100495" cy="336015"/>
+          </a:xfrm>
+          <a:prstGeom prst="rect">
+            <a:avLst/>
+          </a:prstGeom>
+        </p:spPr>
+        <p:txBody>
+          <a:bodyPr vert="horz" lIns="91440" tIns="45720" rIns="91440" bIns="45720" rtlCol="0" anchor="b">
+            <a:noAutofit/>
+          </a:bodyPr>
+          <a:lstStyle>
+            <a:lvl1pPr algn="r" defTabSz="457200" rtl="0" eaLnBrk="1" latinLnBrk="0" hangingPunct="1">
+              <a:spcBef>
+                <a:spcPct val="0"/>
+              </a:spcBef>
+              <a:buNone/>
+              <a:defRPr sz="5400" kern="1200">
+                <a:solidFill>
+                  <a:schemeClr val="accent1"/>
+                </a:solidFill>
+                <a:latin typeface="+mj-lt"/>
+                <a:ea typeface="+mj-ea"/>
+                <a:cs typeface="+mj-cs"/>
+              </a:defRPr>
+            </a:lvl1pPr>
+            <a:lvl2pPr eaLnBrk="1" hangingPunct="1">
+              <a:defRPr>
+                <a:solidFill>
+                  <a:schemeClr val="tx2"/>
+                </a:solidFill>
+              </a:defRPr>
+            </a:lvl2pPr>
+            <a:lvl3pPr eaLnBrk="1" hangingPunct="1">
+              <a:defRPr>
+                <a:solidFill>
+                  <a:schemeClr val="tx2"/>
+                </a:solidFill>
+              </a:defRPr>
+            </a:lvl3pPr>
+            <a:lvl4pPr eaLnBrk="1" hangingPunct="1">
+              <a:defRPr>
+                <a:solidFill>
+                  <a:schemeClr val="tx2"/>
+                </a:solidFill>
+              </a:defRPr>
+            </a:lvl4pPr>
+            <a:lvl5pPr eaLnBrk="1" hangingPunct="1">
+              <a:defRPr>
+                <a:solidFill>
+                  <a:schemeClr val="tx2"/>
+                </a:solidFill>
+              </a:defRPr>
+            </a:lvl5pPr>
+            <a:lvl6pPr eaLnBrk="1" hangingPunct="1">
+              <a:defRPr>
+                <a:solidFill>
+                  <a:schemeClr val="tx2"/>
+                </a:solidFill>
+              </a:defRPr>
+            </a:lvl6pPr>
+            <a:lvl7pPr eaLnBrk="1" hangingPunct="1">
+              <a:defRPr>
+                <a:solidFill>
+                  <a:schemeClr val="tx2"/>
+                </a:solidFill>
+              </a:defRPr>
+            </a:lvl7pPr>
+            <a:lvl8pPr eaLnBrk="1" hangingPunct="1">
+              <a:defRPr>
+                <a:solidFill>
+                  <a:schemeClr val="tx2"/>
+                </a:solidFill>
+              </a:defRPr>
+            </a:lvl8pPr>
+            <a:lvl9pPr eaLnBrk="1" hangingPunct="1">
+              <a:defRPr>
+                <a:solidFill>
+                  <a:schemeClr val="tx2"/>
+                </a:solidFill>
+              </a:defRPr>
+            </a:lvl9pPr>
+          </a:lstStyle>
+          <a:p>
+            <a:r>
+              <a:rPr lang="en-US" sz="1800" dirty="0" err="1">
+                <a:solidFill>
+                  <a:schemeClr val="tx1"/>
+                </a:solidFill>
+              </a:rPr>
+              <a:t>oldCap</a:t>
+            </a:r>
+            <a:r>
+              <a:rPr lang="en-US" sz="1800" dirty="0">
+                <a:solidFill>
+                  <a:schemeClr val="tx1"/>
+                </a:solidFill>
+              </a:rPr>
+              <a:t>=</a:t>
+            </a:r>
+            <a:endParaRPr lang="ru-RU" sz="1800" dirty="0">
+              <a:solidFill>
+                <a:schemeClr val="tx1"/>
+              </a:solidFill>
+            </a:endParaRPr>
+          </a:p>
+        </p:txBody>
+      </p:sp>
+    </p:spTree>
+    <p:extLst>
+      <p:ext uri="{BB962C8B-B14F-4D97-AF65-F5344CB8AC3E}">
+        <p14:creationId xmlns:p14="http://schemas.microsoft.com/office/powerpoint/2010/main" val="3543170093"/>
+      </p:ext>
+    </p:extLst>
+  </p:cSld>
+  <p:clrMapOvr>
+    <a:masterClrMapping/>
+  </p:clrMapOvr>
+</p:sld>
+</file>
+
+<file path=ppt/slides/slide14.xml><?xml version="1.0" encoding="utf-8"?>
+<p:sld xmlns:a="http://schemas.openxmlformats.org/drawingml/2006/main" xmlns:r="http://schemas.openxmlformats.org/officeDocument/2006/relationships" xmlns:p="http://schemas.openxmlformats.org/presentationml/2006/main">
+  <p:cSld>
+    <p:spTree>
+      <p:nvGrpSpPr>
+        <p:cNvPr id="1" name="">
+          <a:extLst>
+            <a:ext uri="{FF2B5EF4-FFF2-40B4-BE49-F238E27FC236}">
+              <a16:creationId xmlns:a16="http://schemas.microsoft.com/office/drawing/2014/main" id="{400EAA37-A090-126E-827A-2DF02C4A04D4}"/>
+            </a:ext>
+          </a:extLst>
+        </p:cNvPr>
+        <p:cNvGrpSpPr/>
+        <p:nvPr/>
+      </p:nvGrpSpPr>
+      <p:grpSpPr>
+        <a:xfrm>
+          <a:off x="0" y="0"/>
+          <a:ext cx="0" cy="0"/>
+          <a:chOff x="0" y="0"/>
+          <a:chExt cx="0" cy="0"/>
+        </a:xfrm>
+      </p:grpSpPr>
+      <p:sp>
+        <p:nvSpPr>
+          <p:cNvPr id="2" name="Заголовок 1">
+            <a:extLst>
+              <a:ext uri="{FF2B5EF4-FFF2-40B4-BE49-F238E27FC236}">
+                <a16:creationId xmlns:a16="http://schemas.microsoft.com/office/drawing/2014/main" id="{84443196-3C68-9077-BDC2-053BFB3F1CF9}"/>
+              </a:ext>
+            </a:extLst>
+          </p:cNvPr>
+          <p:cNvSpPr>
+            <a:spLocks noGrp="1"/>
+          </p:cNvSpPr>
+          <p:nvPr>
+            <p:ph type="ctrTitle"/>
+          </p:nvPr>
+        </p:nvSpPr>
+        <p:spPr>
+          <a:xfrm>
+            <a:off x="0" y="0"/>
+            <a:ext cx="7766936" cy="1035586"/>
+          </a:xfrm>
+        </p:spPr>
+        <p:txBody>
+          <a:bodyPr/>
+          <a:lstStyle/>
+          <a:p>
+            <a:r>
+              <a:rPr lang="ru-RU" dirty="0"/>
+              <a:t>Что</a:t>
+            </a:r>
+            <a:r>
+              <a:rPr lang="en-US" dirty="0"/>
+              <a:t> </a:t>
+            </a:r>
+            <a:r>
+              <a:rPr lang="ru-RU" dirty="0"/>
+              <a:t>лежит в основе</a:t>
+            </a:r>
+            <a:r>
+              <a:rPr lang="en-US" dirty="0"/>
+              <a:t>?</a:t>
+            </a:r>
+            <a:endParaRPr lang="ru-RU" dirty="0"/>
+          </a:p>
+        </p:txBody>
+      </p:sp>
+      <p:sp>
+        <p:nvSpPr>
+          <p:cNvPr id="4" name="Заголовок 1">
+            <a:extLst>
+              <a:ext uri="{FF2B5EF4-FFF2-40B4-BE49-F238E27FC236}">
+                <a16:creationId xmlns:a16="http://schemas.microsoft.com/office/drawing/2014/main" id="{A66F2FC3-6F25-6E51-8827-75118BF7D6CE}"/>
+              </a:ext>
+            </a:extLst>
+          </p:cNvPr>
+          <p:cNvSpPr txBox="1">
+            <a:spLocks/>
+          </p:cNvSpPr>
+          <p:nvPr/>
+        </p:nvSpPr>
+        <p:spPr>
+          <a:xfrm>
+            <a:off x="-419594" y="1035586"/>
+            <a:ext cx="2556866" cy="336015"/>
+          </a:xfrm>
+          <a:prstGeom prst="rect">
+            <a:avLst/>
+          </a:prstGeom>
+        </p:spPr>
+        <p:txBody>
+          <a:bodyPr vert="horz" lIns="91440" tIns="45720" rIns="91440" bIns="45720" rtlCol="0" anchor="b">
+            <a:noAutofit/>
+          </a:bodyPr>
+          <a:lstStyle>
+            <a:lvl1pPr algn="r" defTabSz="457200" rtl="0" eaLnBrk="1" latinLnBrk="0" hangingPunct="1">
+              <a:spcBef>
+                <a:spcPct val="0"/>
+              </a:spcBef>
+              <a:buNone/>
+              <a:defRPr sz="5400" kern="1200">
+                <a:solidFill>
+                  <a:schemeClr val="accent1"/>
+                </a:solidFill>
+                <a:latin typeface="+mj-lt"/>
+                <a:ea typeface="+mj-ea"/>
+                <a:cs typeface="+mj-cs"/>
+              </a:defRPr>
+            </a:lvl1pPr>
+            <a:lvl2pPr eaLnBrk="1" hangingPunct="1">
+              <a:defRPr>
+                <a:solidFill>
+                  <a:schemeClr val="tx2"/>
+                </a:solidFill>
+              </a:defRPr>
+            </a:lvl2pPr>
+            <a:lvl3pPr eaLnBrk="1" hangingPunct="1">
+              <a:defRPr>
+                <a:solidFill>
+                  <a:schemeClr val="tx2"/>
+                </a:solidFill>
+              </a:defRPr>
+            </a:lvl3pPr>
+            <a:lvl4pPr eaLnBrk="1" hangingPunct="1">
+              <a:defRPr>
+                <a:solidFill>
+                  <a:schemeClr val="tx2"/>
+                </a:solidFill>
+              </a:defRPr>
+            </a:lvl4pPr>
+            <a:lvl5pPr eaLnBrk="1" hangingPunct="1">
+              <a:defRPr>
+                <a:solidFill>
+                  <a:schemeClr val="tx2"/>
+                </a:solidFill>
+              </a:defRPr>
+            </a:lvl5pPr>
+            <a:lvl6pPr eaLnBrk="1" hangingPunct="1">
+              <a:defRPr>
+                <a:solidFill>
+                  <a:schemeClr val="tx2"/>
+                </a:solidFill>
+              </a:defRPr>
+            </a:lvl6pPr>
+            <a:lvl7pPr eaLnBrk="1" hangingPunct="1">
+              <a:defRPr>
+                <a:solidFill>
+                  <a:schemeClr val="tx2"/>
+                </a:solidFill>
+              </a:defRPr>
+            </a:lvl7pPr>
+            <a:lvl8pPr eaLnBrk="1" hangingPunct="1">
+              <a:defRPr>
+                <a:solidFill>
+                  <a:schemeClr val="tx2"/>
+                </a:solidFill>
+              </a:defRPr>
+            </a:lvl8pPr>
+            <a:lvl9pPr eaLnBrk="1" hangingPunct="1">
+              <a:defRPr>
+                <a:solidFill>
+                  <a:schemeClr val="tx2"/>
+                </a:solidFill>
+              </a:defRPr>
+            </a:lvl9pPr>
+          </a:lstStyle>
+          <a:p>
+            <a:r>
+              <a:rPr lang="ru-RU" sz="1800" dirty="0">
+                <a:solidFill>
+                  <a:schemeClr val="tx1"/>
+                </a:solidFill>
+              </a:rPr>
+              <a:t>Метод </a:t>
+            </a:r>
+            <a:r>
+              <a:rPr lang="en-US" sz="1800" dirty="0">
+                <a:solidFill>
+                  <a:schemeClr val="tx1"/>
+                </a:solidFill>
+              </a:rPr>
+              <a:t>remove</a:t>
+            </a:r>
+            <a:endParaRPr lang="ru-RU" sz="1800" dirty="0">
+              <a:solidFill>
+                <a:schemeClr val="tx1"/>
+              </a:solidFill>
+            </a:endParaRPr>
+          </a:p>
+        </p:txBody>
+      </p:sp>
+      <p:pic>
+        <p:nvPicPr>
+          <p:cNvPr id="16" name="Рисунок 15">
+            <a:extLst>
+              <a:ext uri="{FF2B5EF4-FFF2-40B4-BE49-F238E27FC236}">
+                <a16:creationId xmlns:a16="http://schemas.microsoft.com/office/drawing/2014/main" id="{945BF6CD-2A8C-E5A8-782D-710B04636071}"/>
+              </a:ext>
+            </a:extLst>
+          </p:cNvPr>
+          <p:cNvPicPr>
+            <a:picLocks noChangeAspect="1"/>
+          </p:cNvPicPr>
+          <p:nvPr/>
+        </p:nvPicPr>
+        <p:blipFill>
+          <a:blip r:embed="rId2"/>
+          <a:stretch>
+            <a:fillRect/>
+          </a:stretch>
+        </p:blipFill>
+        <p:spPr>
+          <a:xfrm>
+            <a:off x="451736" y="1371601"/>
+            <a:ext cx="5644264" cy="1047750"/>
+          </a:xfrm>
+          <a:prstGeom prst="rect">
+            <a:avLst/>
+          </a:prstGeom>
+        </p:spPr>
+      </p:pic>
+      <p:pic>
+        <p:nvPicPr>
+          <p:cNvPr id="20" name="Рисунок 19">
+            <a:extLst>
+              <a:ext uri="{FF2B5EF4-FFF2-40B4-BE49-F238E27FC236}">
+                <a16:creationId xmlns:a16="http://schemas.microsoft.com/office/drawing/2014/main" id="{C5379185-9D73-9E4A-B961-0828E2182D9B}"/>
+              </a:ext>
+            </a:extLst>
+          </p:cNvPr>
+          <p:cNvPicPr>
+            <a:picLocks noChangeAspect="1"/>
+          </p:cNvPicPr>
+          <p:nvPr/>
+        </p:nvPicPr>
+        <p:blipFill>
+          <a:blip r:embed="rId3"/>
+          <a:stretch>
+            <a:fillRect/>
+          </a:stretch>
+        </p:blipFill>
+        <p:spPr>
+          <a:xfrm>
+            <a:off x="6533978" y="1371601"/>
+            <a:ext cx="5381625" cy="4657725"/>
+          </a:xfrm>
+          <a:prstGeom prst="rect">
+            <a:avLst/>
+          </a:prstGeom>
+        </p:spPr>
+      </p:pic>
+      <p:sp>
+        <p:nvSpPr>
+          <p:cNvPr id="21" name="Заголовок 1">
+            <a:extLst>
+              <a:ext uri="{FF2B5EF4-FFF2-40B4-BE49-F238E27FC236}">
+                <a16:creationId xmlns:a16="http://schemas.microsoft.com/office/drawing/2014/main" id="{F0A319DD-8158-459A-679B-5C333E8EEF53}"/>
+              </a:ext>
+            </a:extLst>
+          </p:cNvPr>
+          <p:cNvSpPr txBox="1">
+            <a:spLocks/>
+          </p:cNvSpPr>
+          <p:nvPr/>
+        </p:nvSpPr>
+        <p:spPr>
+          <a:xfrm>
+            <a:off x="5549712" y="1035585"/>
+            <a:ext cx="3088553" cy="336015"/>
+          </a:xfrm>
+          <a:prstGeom prst="rect">
+            <a:avLst/>
+          </a:prstGeom>
+        </p:spPr>
+        <p:txBody>
+          <a:bodyPr vert="horz" lIns="91440" tIns="45720" rIns="91440" bIns="45720" rtlCol="0" anchor="b">
+            <a:noAutofit/>
+          </a:bodyPr>
+          <a:lstStyle>
+            <a:lvl1pPr algn="r" defTabSz="457200" rtl="0" eaLnBrk="1" latinLnBrk="0" hangingPunct="1">
+              <a:spcBef>
+                <a:spcPct val="0"/>
+              </a:spcBef>
+              <a:buNone/>
+              <a:defRPr sz="5400" kern="1200">
+                <a:solidFill>
+                  <a:schemeClr val="accent1"/>
+                </a:solidFill>
+                <a:latin typeface="+mj-lt"/>
+                <a:ea typeface="+mj-ea"/>
+                <a:cs typeface="+mj-cs"/>
+              </a:defRPr>
+            </a:lvl1pPr>
+            <a:lvl2pPr eaLnBrk="1" hangingPunct="1">
+              <a:defRPr>
+                <a:solidFill>
+                  <a:schemeClr val="tx2"/>
+                </a:solidFill>
+              </a:defRPr>
+            </a:lvl2pPr>
+            <a:lvl3pPr eaLnBrk="1" hangingPunct="1">
+              <a:defRPr>
+                <a:solidFill>
+                  <a:schemeClr val="tx2"/>
+                </a:solidFill>
+              </a:defRPr>
+            </a:lvl3pPr>
+            <a:lvl4pPr eaLnBrk="1" hangingPunct="1">
+              <a:defRPr>
+                <a:solidFill>
+                  <a:schemeClr val="tx2"/>
+                </a:solidFill>
+              </a:defRPr>
+            </a:lvl4pPr>
+            <a:lvl5pPr eaLnBrk="1" hangingPunct="1">
+              <a:defRPr>
+                <a:solidFill>
+                  <a:schemeClr val="tx2"/>
+                </a:solidFill>
+              </a:defRPr>
+            </a:lvl5pPr>
+            <a:lvl6pPr eaLnBrk="1" hangingPunct="1">
+              <a:defRPr>
+                <a:solidFill>
+                  <a:schemeClr val="tx2"/>
+                </a:solidFill>
+              </a:defRPr>
+            </a:lvl6pPr>
+            <a:lvl7pPr eaLnBrk="1" hangingPunct="1">
+              <a:defRPr>
+                <a:solidFill>
+                  <a:schemeClr val="tx2"/>
+                </a:solidFill>
+              </a:defRPr>
+            </a:lvl7pPr>
+            <a:lvl8pPr eaLnBrk="1" hangingPunct="1">
+              <a:defRPr>
+                <a:solidFill>
+                  <a:schemeClr val="tx2"/>
+                </a:solidFill>
+              </a:defRPr>
+            </a:lvl8pPr>
+            <a:lvl9pPr eaLnBrk="1" hangingPunct="1">
+              <a:defRPr>
+                <a:solidFill>
+                  <a:schemeClr val="tx2"/>
+                </a:solidFill>
+              </a:defRPr>
+            </a:lvl9pPr>
+          </a:lstStyle>
+          <a:p>
+            <a:r>
+              <a:rPr lang="ru-RU" sz="1800" dirty="0">
+                <a:solidFill>
+                  <a:schemeClr val="tx1"/>
+                </a:solidFill>
+              </a:rPr>
+              <a:t>Метод </a:t>
+            </a:r>
+            <a:r>
+              <a:rPr lang="en-US" sz="1800" dirty="0" err="1">
+                <a:solidFill>
+                  <a:schemeClr val="tx1"/>
+                </a:solidFill>
+              </a:rPr>
+              <a:t>removeNode</a:t>
+            </a:r>
+            <a:endParaRPr lang="ru-RU" sz="1800" dirty="0">
+              <a:solidFill>
+                <a:schemeClr val="tx1"/>
+              </a:solidFill>
+            </a:endParaRPr>
+          </a:p>
+        </p:txBody>
+      </p:sp>
+      <p:pic>
+        <p:nvPicPr>
+          <p:cNvPr id="23" name="Рисунок 22">
+            <a:extLst>
+              <a:ext uri="{FF2B5EF4-FFF2-40B4-BE49-F238E27FC236}">
+                <a16:creationId xmlns:a16="http://schemas.microsoft.com/office/drawing/2014/main" id="{5A0B297E-C4A8-7335-EBD8-5744A43AE563}"/>
+              </a:ext>
+            </a:extLst>
+          </p:cNvPr>
+          <p:cNvPicPr>
+            <a:picLocks noChangeAspect="1"/>
+          </p:cNvPicPr>
+          <p:nvPr/>
+        </p:nvPicPr>
+        <p:blipFill>
+          <a:blip r:embed="rId4"/>
+          <a:stretch>
+            <a:fillRect/>
+          </a:stretch>
+        </p:blipFill>
+        <p:spPr>
+          <a:xfrm>
+            <a:off x="451736" y="3917127"/>
+            <a:ext cx="5438775" cy="2505075"/>
+          </a:xfrm>
+          <a:prstGeom prst="rect">
+            <a:avLst/>
+          </a:prstGeom>
+        </p:spPr>
+      </p:pic>
+      <p:sp>
+        <p:nvSpPr>
+          <p:cNvPr id="24" name="Заголовок 1">
+            <a:extLst>
+              <a:ext uri="{FF2B5EF4-FFF2-40B4-BE49-F238E27FC236}">
+                <a16:creationId xmlns:a16="http://schemas.microsoft.com/office/drawing/2014/main" id="{8B59A7EB-5E61-A0BE-008C-6D183BF9D37E}"/>
+              </a:ext>
+            </a:extLst>
+          </p:cNvPr>
+          <p:cNvSpPr txBox="1">
+            <a:spLocks/>
+          </p:cNvSpPr>
+          <p:nvPr/>
+        </p:nvSpPr>
+        <p:spPr>
+          <a:xfrm>
+            <a:off x="-419594" y="3572849"/>
+            <a:ext cx="2810254" cy="336015"/>
+          </a:xfrm>
+          <a:prstGeom prst="rect">
+            <a:avLst/>
+          </a:prstGeom>
+        </p:spPr>
+        <p:txBody>
+          <a:bodyPr vert="horz" lIns="91440" tIns="45720" rIns="91440" bIns="45720" rtlCol="0" anchor="b">
+            <a:noAutofit/>
+          </a:bodyPr>
+          <a:lstStyle>
+            <a:lvl1pPr algn="r" defTabSz="457200" rtl="0" eaLnBrk="1" latinLnBrk="0" hangingPunct="1">
+              <a:spcBef>
+                <a:spcPct val="0"/>
+              </a:spcBef>
+              <a:buNone/>
+              <a:defRPr sz="5400" kern="1200">
+                <a:solidFill>
+                  <a:schemeClr val="accent1"/>
+                </a:solidFill>
+                <a:latin typeface="+mj-lt"/>
+                <a:ea typeface="+mj-ea"/>
+                <a:cs typeface="+mj-cs"/>
+              </a:defRPr>
+            </a:lvl1pPr>
+            <a:lvl2pPr eaLnBrk="1" hangingPunct="1">
+              <a:defRPr>
+                <a:solidFill>
+                  <a:schemeClr val="tx2"/>
+                </a:solidFill>
+              </a:defRPr>
+            </a:lvl2pPr>
+            <a:lvl3pPr eaLnBrk="1" hangingPunct="1">
+              <a:defRPr>
+                <a:solidFill>
+                  <a:schemeClr val="tx2"/>
+                </a:solidFill>
+              </a:defRPr>
+            </a:lvl3pPr>
+            <a:lvl4pPr eaLnBrk="1" hangingPunct="1">
+              <a:defRPr>
+                <a:solidFill>
+                  <a:schemeClr val="tx2"/>
+                </a:solidFill>
+              </a:defRPr>
+            </a:lvl4pPr>
+            <a:lvl5pPr eaLnBrk="1" hangingPunct="1">
+              <a:defRPr>
+                <a:solidFill>
+                  <a:schemeClr val="tx2"/>
+                </a:solidFill>
+              </a:defRPr>
+            </a:lvl5pPr>
+            <a:lvl6pPr eaLnBrk="1" hangingPunct="1">
+              <a:defRPr>
+                <a:solidFill>
+                  <a:schemeClr val="tx2"/>
+                </a:solidFill>
+              </a:defRPr>
+            </a:lvl6pPr>
+            <a:lvl7pPr eaLnBrk="1" hangingPunct="1">
+              <a:defRPr>
+                <a:solidFill>
+                  <a:schemeClr val="tx2"/>
+                </a:solidFill>
+              </a:defRPr>
+            </a:lvl7pPr>
+            <a:lvl8pPr eaLnBrk="1" hangingPunct="1">
+              <a:defRPr>
+                <a:solidFill>
+                  <a:schemeClr val="tx2"/>
+                </a:solidFill>
+              </a:defRPr>
+            </a:lvl8pPr>
+            <a:lvl9pPr eaLnBrk="1" hangingPunct="1">
+              <a:defRPr>
+                <a:solidFill>
+                  <a:schemeClr val="tx2"/>
+                </a:solidFill>
+              </a:defRPr>
+            </a:lvl9pPr>
+          </a:lstStyle>
+          <a:p>
+            <a:r>
+              <a:rPr lang="ru-RU" sz="1800" dirty="0">
+                <a:solidFill>
+                  <a:schemeClr val="tx1"/>
+                </a:solidFill>
+              </a:rPr>
+              <a:t>Логика удаления</a:t>
+            </a:r>
+          </a:p>
+        </p:txBody>
+      </p:sp>
+    </p:spTree>
+    <p:extLst>
+      <p:ext uri="{BB962C8B-B14F-4D97-AF65-F5344CB8AC3E}">
+        <p14:creationId xmlns:p14="http://schemas.microsoft.com/office/powerpoint/2010/main" val="2977154188"/>
+      </p:ext>
+    </p:extLst>
+  </p:cSld>
+  <p:clrMapOvr>
+    <a:masterClrMapping/>
+  </p:clrMapOvr>
+</p:sld>
+</file>
+
+<file path=ppt/slides/slide15.xml><?xml version="1.0" encoding="utf-8"?>
+<p:sld xmlns:a="http://schemas.openxmlformats.org/drawingml/2006/main" xmlns:r="http://schemas.openxmlformats.org/officeDocument/2006/relationships" xmlns:p="http://schemas.openxmlformats.org/presentationml/2006/main">
+  <p:cSld>
+    <p:spTree>
+      <p:nvGrpSpPr>
+        <p:cNvPr id="1" name="">
+          <a:extLst>
+            <a:ext uri="{FF2B5EF4-FFF2-40B4-BE49-F238E27FC236}">
+              <a16:creationId xmlns:a16="http://schemas.microsoft.com/office/drawing/2014/main" id="{1B0E4F61-9778-7536-D518-9DD48EB63C74}"/>
+            </a:ext>
+          </a:extLst>
+        </p:cNvPr>
+        <p:cNvGrpSpPr/>
+        <p:nvPr/>
+      </p:nvGrpSpPr>
+      <p:grpSpPr>
+        <a:xfrm>
+          <a:off x="0" y="0"/>
+          <a:ext cx="0" cy="0"/>
+          <a:chOff x="0" y="0"/>
+          <a:chExt cx="0" cy="0"/>
+        </a:xfrm>
+      </p:grpSpPr>
+      <p:sp>
+        <p:nvSpPr>
+          <p:cNvPr id="2" name="Заголовок 1">
+            <a:extLst>
+              <a:ext uri="{FF2B5EF4-FFF2-40B4-BE49-F238E27FC236}">
+                <a16:creationId xmlns:a16="http://schemas.microsoft.com/office/drawing/2014/main" id="{707B87FC-5B54-5DBD-52B6-90597EDF3EBA}"/>
+              </a:ext>
+            </a:extLst>
+          </p:cNvPr>
+          <p:cNvSpPr>
+            <a:spLocks noGrp="1"/>
+          </p:cNvSpPr>
+          <p:nvPr>
+            <p:ph type="ctrTitle"/>
+          </p:nvPr>
+        </p:nvSpPr>
+        <p:spPr>
+          <a:xfrm>
+            <a:off x="0" y="0"/>
+            <a:ext cx="7766936" cy="1035586"/>
+          </a:xfrm>
+        </p:spPr>
+        <p:txBody>
+          <a:bodyPr/>
+          <a:lstStyle/>
+          <a:p>
+            <a:r>
+              <a:rPr lang="ru-RU" dirty="0"/>
+              <a:t>Что</a:t>
+            </a:r>
+            <a:r>
+              <a:rPr lang="en-US" dirty="0"/>
+              <a:t> </a:t>
+            </a:r>
+            <a:r>
+              <a:rPr lang="ru-RU" dirty="0"/>
+              <a:t>лежит в основе</a:t>
+            </a:r>
+            <a:r>
+              <a:rPr lang="en-US" dirty="0"/>
+              <a:t>?</a:t>
+            </a:r>
+            <a:endParaRPr lang="ru-RU" dirty="0"/>
+          </a:p>
+        </p:txBody>
+      </p:sp>
+      <p:sp>
+        <p:nvSpPr>
+          <p:cNvPr id="4" name="Заголовок 1">
+            <a:extLst>
+              <a:ext uri="{FF2B5EF4-FFF2-40B4-BE49-F238E27FC236}">
+                <a16:creationId xmlns:a16="http://schemas.microsoft.com/office/drawing/2014/main" id="{33518852-1B34-C0D5-57CC-8AABD436F47E}"/>
+              </a:ext>
+            </a:extLst>
+          </p:cNvPr>
+          <p:cNvSpPr txBox="1">
+            <a:spLocks/>
+          </p:cNvSpPr>
+          <p:nvPr/>
+        </p:nvSpPr>
+        <p:spPr>
+          <a:xfrm>
+            <a:off x="417688" y="1338147"/>
+            <a:ext cx="1818735" cy="336015"/>
+          </a:xfrm>
+          <a:prstGeom prst="rect">
+            <a:avLst/>
+          </a:prstGeom>
+        </p:spPr>
+        <p:txBody>
+          <a:bodyPr vert="horz" lIns="91440" tIns="45720" rIns="91440" bIns="45720" rtlCol="0" anchor="b">
+            <a:noAutofit/>
+          </a:bodyPr>
+          <a:lstStyle>
+            <a:lvl1pPr algn="r" defTabSz="457200" rtl="0" eaLnBrk="1" latinLnBrk="0" hangingPunct="1">
+              <a:spcBef>
+                <a:spcPct val="0"/>
+              </a:spcBef>
+              <a:buNone/>
+              <a:defRPr sz="5400" kern="1200">
+                <a:solidFill>
+                  <a:schemeClr val="accent1"/>
+                </a:solidFill>
+                <a:latin typeface="+mj-lt"/>
+                <a:ea typeface="+mj-ea"/>
+                <a:cs typeface="+mj-cs"/>
+              </a:defRPr>
+            </a:lvl1pPr>
+            <a:lvl2pPr eaLnBrk="1" hangingPunct="1">
+              <a:defRPr>
+                <a:solidFill>
+                  <a:schemeClr val="tx2"/>
+                </a:solidFill>
+              </a:defRPr>
+            </a:lvl2pPr>
+            <a:lvl3pPr eaLnBrk="1" hangingPunct="1">
+              <a:defRPr>
+                <a:solidFill>
+                  <a:schemeClr val="tx2"/>
+                </a:solidFill>
+              </a:defRPr>
+            </a:lvl3pPr>
+            <a:lvl4pPr eaLnBrk="1" hangingPunct="1">
+              <a:defRPr>
+                <a:solidFill>
+                  <a:schemeClr val="tx2"/>
+                </a:solidFill>
+              </a:defRPr>
+            </a:lvl4pPr>
+            <a:lvl5pPr eaLnBrk="1" hangingPunct="1">
+              <a:defRPr>
+                <a:solidFill>
+                  <a:schemeClr val="tx2"/>
+                </a:solidFill>
+              </a:defRPr>
+            </a:lvl5pPr>
+            <a:lvl6pPr eaLnBrk="1" hangingPunct="1">
+              <a:defRPr>
+                <a:solidFill>
+                  <a:schemeClr val="tx2"/>
+                </a:solidFill>
+              </a:defRPr>
+            </a:lvl6pPr>
+            <a:lvl7pPr eaLnBrk="1" hangingPunct="1">
+              <a:defRPr>
+                <a:solidFill>
+                  <a:schemeClr val="tx2"/>
+                </a:solidFill>
+              </a:defRPr>
+            </a:lvl7pPr>
+            <a:lvl8pPr eaLnBrk="1" hangingPunct="1">
+              <a:defRPr>
+                <a:solidFill>
+                  <a:schemeClr val="tx2"/>
+                </a:solidFill>
+              </a:defRPr>
+            </a:lvl8pPr>
+            <a:lvl9pPr eaLnBrk="1" hangingPunct="1">
+              <a:defRPr>
+                <a:solidFill>
+                  <a:schemeClr val="tx2"/>
+                </a:solidFill>
+              </a:defRPr>
+            </a:lvl9pPr>
+          </a:lstStyle>
+          <a:p>
+            <a:r>
+              <a:rPr lang="ru-RU" sz="1800" dirty="0">
+                <a:solidFill>
+                  <a:schemeClr val="tx1"/>
+                </a:solidFill>
+              </a:rPr>
+              <a:t>Метод </a:t>
+            </a:r>
+            <a:r>
+              <a:rPr lang="en-US" sz="1800" dirty="0">
+                <a:solidFill>
+                  <a:schemeClr val="tx1"/>
+                </a:solidFill>
+              </a:rPr>
+              <a:t>hash</a:t>
+            </a:r>
+            <a:endParaRPr lang="ru-RU" sz="1800" dirty="0">
+              <a:solidFill>
+                <a:schemeClr val="tx1"/>
+              </a:solidFill>
+            </a:endParaRPr>
+          </a:p>
+        </p:txBody>
+      </p:sp>
+      <p:pic>
+        <p:nvPicPr>
+          <p:cNvPr id="5" name="Рисунок 4">
+            <a:extLst>
+              <a:ext uri="{FF2B5EF4-FFF2-40B4-BE49-F238E27FC236}">
+                <a16:creationId xmlns:a16="http://schemas.microsoft.com/office/drawing/2014/main" id="{9F0589C2-14D3-EC42-5EEB-D295F32A1E82}"/>
+              </a:ext>
+            </a:extLst>
+          </p:cNvPr>
+          <p:cNvPicPr>
+            <a:picLocks noChangeAspect="1"/>
+          </p:cNvPicPr>
+          <p:nvPr/>
+        </p:nvPicPr>
+        <p:blipFill>
+          <a:blip r:embed="rId2"/>
+          <a:stretch>
+            <a:fillRect/>
+          </a:stretch>
+        </p:blipFill>
+        <p:spPr>
+          <a:xfrm>
+            <a:off x="7848715" y="2223059"/>
+            <a:ext cx="2686050" cy="990600"/>
+          </a:xfrm>
+          <a:prstGeom prst="rect">
+            <a:avLst/>
+          </a:prstGeom>
+        </p:spPr>
+      </p:pic>
+      <p:pic>
+        <p:nvPicPr>
+          <p:cNvPr id="8" name="Рисунок 7">
+            <a:extLst>
+              <a:ext uri="{FF2B5EF4-FFF2-40B4-BE49-F238E27FC236}">
+                <a16:creationId xmlns:a16="http://schemas.microsoft.com/office/drawing/2014/main" id="{8B1A1A10-FF9A-DBCA-39F7-ACE346C97451}"/>
+              </a:ext>
+            </a:extLst>
+          </p:cNvPr>
+          <p:cNvPicPr>
+            <a:picLocks noChangeAspect="1"/>
+          </p:cNvPicPr>
+          <p:nvPr/>
+        </p:nvPicPr>
+        <p:blipFill>
+          <a:blip r:embed="rId3"/>
+          <a:stretch>
+            <a:fillRect/>
+          </a:stretch>
+        </p:blipFill>
+        <p:spPr>
+          <a:xfrm>
+            <a:off x="7848715" y="3644342"/>
+            <a:ext cx="2914650" cy="847725"/>
+          </a:xfrm>
+          <a:prstGeom prst="rect">
+            <a:avLst/>
+          </a:prstGeom>
+        </p:spPr>
+      </p:pic>
+      <p:pic>
+        <p:nvPicPr>
+          <p:cNvPr id="10" name="Рисунок 9">
+            <a:extLst>
+              <a:ext uri="{FF2B5EF4-FFF2-40B4-BE49-F238E27FC236}">
+                <a16:creationId xmlns:a16="http://schemas.microsoft.com/office/drawing/2014/main" id="{49626995-4DBC-C1A7-07FA-E3ED9E9CDF80}"/>
+              </a:ext>
+            </a:extLst>
+          </p:cNvPr>
+          <p:cNvPicPr>
+            <a:picLocks noChangeAspect="1"/>
+          </p:cNvPicPr>
+          <p:nvPr/>
+        </p:nvPicPr>
+        <p:blipFill>
+          <a:blip r:embed="rId4"/>
+          <a:stretch>
+            <a:fillRect/>
+          </a:stretch>
+        </p:blipFill>
+        <p:spPr>
+          <a:xfrm>
+            <a:off x="923925" y="1976723"/>
+            <a:ext cx="5172075" cy="885825"/>
+          </a:xfrm>
+          <a:prstGeom prst="rect">
+            <a:avLst/>
+          </a:prstGeom>
+        </p:spPr>
+      </p:pic>
+      <p:sp>
+        <p:nvSpPr>
+          <p:cNvPr id="11" name="Заголовок 1">
+            <a:extLst>
+              <a:ext uri="{FF2B5EF4-FFF2-40B4-BE49-F238E27FC236}">
+                <a16:creationId xmlns:a16="http://schemas.microsoft.com/office/drawing/2014/main" id="{1D0BF6EB-DBC4-D378-0730-F2F1C6379EA5}"/>
+              </a:ext>
+            </a:extLst>
+          </p:cNvPr>
+          <p:cNvSpPr txBox="1">
+            <a:spLocks/>
+          </p:cNvSpPr>
+          <p:nvPr/>
+        </p:nvSpPr>
+        <p:spPr>
+          <a:xfrm>
+            <a:off x="6939347" y="1717828"/>
+            <a:ext cx="1818735" cy="336015"/>
+          </a:xfrm>
+          <a:prstGeom prst="rect">
+            <a:avLst/>
+          </a:prstGeom>
+        </p:spPr>
+        <p:txBody>
+          <a:bodyPr vert="horz" lIns="91440" tIns="45720" rIns="91440" bIns="45720" rtlCol="0" anchor="b">
+            <a:noAutofit/>
+          </a:bodyPr>
+          <a:lstStyle>
+            <a:lvl1pPr algn="r" defTabSz="457200" rtl="0" eaLnBrk="1" latinLnBrk="0" hangingPunct="1">
+              <a:spcBef>
+                <a:spcPct val="0"/>
+              </a:spcBef>
+              <a:buNone/>
+              <a:defRPr sz="5400" kern="1200">
+                <a:solidFill>
+                  <a:schemeClr val="accent1"/>
+                </a:solidFill>
+                <a:latin typeface="+mj-lt"/>
+                <a:ea typeface="+mj-ea"/>
+                <a:cs typeface="+mj-cs"/>
+              </a:defRPr>
+            </a:lvl1pPr>
+            <a:lvl2pPr eaLnBrk="1" hangingPunct="1">
+              <a:defRPr>
+                <a:solidFill>
+                  <a:schemeClr val="tx2"/>
+                </a:solidFill>
+              </a:defRPr>
+            </a:lvl2pPr>
+            <a:lvl3pPr eaLnBrk="1" hangingPunct="1">
+              <a:defRPr>
+                <a:solidFill>
+                  <a:schemeClr val="tx2"/>
+                </a:solidFill>
+              </a:defRPr>
+            </a:lvl3pPr>
+            <a:lvl4pPr eaLnBrk="1" hangingPunct="1">
+              <a:defRPr>
+                <a:solidFill>
+                  <a:schemeClr val="tx2"/>
+                </a:solidFill>
+              </a:defRPr>
+            </a:lvl4pPr>
+            <a:lvl5pPr eaLnBrk="1" hangingPunct="1">
+              <a:defRPr>
+                <a:solidFill>
+                  <a:schemeClr val="tx2"/>
+                </a:solidFill>
+              </a:defRPr>
+            </a:lvl5pPr>
+            <a:lvl6pPr eaLnBrk="1" hangingPunct="1">
+              <a:defRPr>
+                <a:solidFill>
+                  <a:schemeClr val="tx2"/>
+                </a:solidFill>
+              </a:defRPr>
+            </a:lvl6pPr>
+            <a:lvl7pPr eaLnBrk="1" hangingPunct="1">
+              <a:defRPr>
+                <a:solidFill>
+                  <a:schemeClr val="tx2"/>
+                </a:solidFill>
+              </a:defRPr>
+            </a:lvl7pPr>
+            <a:lvl8pPr eaLnBrk="1" hangingPunct="1">
+              <a:defRPr>
+                <a:solidFill>
+                  <a:schemeClr val="tx2"/>
+                </a:solidFill>
+              </a:defRPr>
+            </a:lvl8pPr>
+            <a:lvl9pPr eaLnBrk="1" hangingPunct="1">
+              <a:defRPr>
+                <a:solidFill>
+                  <a:schemeClr val="tx2"/>
+                </a:solidFill>
+              </a:defRPr>
+            </a:lvl9pPr>
+          </a:lstStyle>
+          <a:p>
+            <a:r>
+              <a:rPr lang="ru-RU" sz="1800" dirty="0">
+                <a:solidFill>
+                  <a:schemeClr val="tx1"/>
+                </a:solidFill>
+              </a:rPr>
+              <a:t>Пример </a:t>
+            </a:r>
+          </a:p>
+        </p:txBody>
+      </p:sp>
+    </p:spTree>
+    <p:extLst>
+      <p:ext uri="{BB962C8B-B14F-4D97-AF65-F5344CB8AC3E}">
+        <p14:creationId xmlns:p14="http://schemas.microsoft.com/office/powerpoint/2010/main" val="3262917347"/>
+      </p:ext>
+    </p:extLst>
+  </p:cSld>
+  <p:clrMapOvr>
+    <a:masterClrMapping/>
+  </p:clrMapOvr>
+</p:sld>
+</file>
+
 <file path=ppt/slides/slide2.xml><?xml version="1.0" encoding="utf-8"?>
 <p:sld xmlns:a="http://schemas.openxmlformats.org/drawingml/2006/main" xmlns:r="http://schemas.openxmlformats.org/officeDocument/2006/relationships" xmlns:p="http://schemas.openxmlformats.org/presentationml/2006/main">
   <p:cSld>
@@ -13110,7 +16347,7 @@
         </p:nvCxnSpPr>
         <p:spPr>
           <a:xfrm>
-            <a:off x="2944312" y="5703218"/>
+            <a:off x="3062689" y="5699699"/>
             <a:ext cx="713288" cy="0"/>
           </a:xfrm>
           <a:prstGeom prst="straightConnector1">
